--- a/TG1_final.pptx
+++ b/TG1_final.pptx
@@ -10,16 +10,20 @@
     <p:sldId id="258" r:id="rId4"/>
     <p:sldId id="261" r:id="rId5"/>
     <p:sldId id="262" r:id="rId6"/>
-    <p:sldId id="259" r:id="rId7"/>
-    <p:sldId id="267" r:id="rId8"/>
-    <p:sldId id="268" r:id="rId9"/>
-    <p:sldId id="266" r:id="rId10"/>
-    <p:sldId id="269" r:id="rId11"/>
-    <p:sldId id="270" r:id="rId12"/>
-    <p:sldId id="265" r:id="rId13"/>
-    <p:sldId id="260" r:id="rId14"/>
-    <p:sldId id="263" r:id="rId15"/>
-    <p:sldId id="264" r:id="rId16"/>
+    <p:sldId id="269" r:id="rId7"/>
+    <p:sldId id="270" r:id="rId8"/>
+    <p:sldId id="271" r:id="rId9"/>
+    <p:sldId id="272" r:id="rId10"/>
+    <p:sldId id="273" r:id="rId11"/>
+    <p:sldId id="274" r:id="rId12"/>
+    <p:sldId id="259" r:id="rId13"/>
+    <p:sldId id="266" r:id="rId14"/>
+    <p:sldId id="267" r:id="rId15"/>
+    <p:sldId id="268" r:id="rId16"/>
+    <p:sldId id="265" r:id="rId17"/>
+    <p:sldId id="260" r:id="rId18"/>
+    <p:sldId id="263" r:id="rId19"/>
+    <p:sldId id="264" r:id="rId20"/>
   </p:sldIdLst>
   <p:sldSz cx="12192000" cy="6858000"/>
   <p:notesSz cx="6858000" cy="9144000"/>
@@ -120,7 +124,18 @@
   </p:defaultTextStyle>
   <p:extLst>
     <p:ext uri="{EFAFB233-063F-42B5-8137-9DF3F51BA10A}">
-      <p15:sldGuideLst xmlns:p15="http://schemas.microsoft.com/office/powerpoint/2012/main" xmlns=""/>
+      <p15:sldGuideLst xmlns:p15="http://schemas.microsoft.com/office/powerpoint/2012/main">
+        <p15:guide id="1" orient="horz" pos="2160">
+          <p15:clr>
+            <a:srgbClr val="A4A3A4"/>
+          </p15:clr>
+        </p15:guide>
+        <p15:guide id="2" pos="3840">
+          <p15:clr>
+            <a:srgbClr val="A4A3A4"/>
+          </p15:clr>
+        </p15:guide>
+      </p15:sldGuideLst>
     </p:ext>
   </p:extLst>
 </p:presentation>
@@ -670,7 +685,7 @@
           </a:lstStyle>
           <a:p>
             <a:r>
-              <a:rPr lang="es-ES"/>
+              <a:rPr lang="es-ES" dirty="0"/>
               <a:t>Haga clic en el icono para agregar una imagen</a:t>
             </a:r>
             <a:endParaRPr lang="en-US" dirty="0"/>
@@ -4302,7 +4317,7 @@
           </a:lstStyle>
           <a:p>
             <a:r>
-              <a:rPr lang="es-ES"/>
+              <a:rPr lang="es-ES" dirty="0"/>
               <a:t>Haga clic en el icono para agregar una imagen</a:t>
             </a:r>
             <a:endParaRPr lang="en-US" dirty="0"/>
@@ -5362,71 +5377,7 @@
                 </a:effectLst>
                 <a:latin typeface="Arial Rounded MT Bold" panose="020F0704030504030204" pitchFamily="34" charset="0"/>
               </a:rPr>
-              <a:t>Web </a:t>
-            </a:r>
-            <a:r>
-              <a:rPr lang="es-ES" b="1" dirty="0" err="1">
-                <a:solidFill>
-                  <a:schemeClr val="bg1"/>
-                </a:solidFill>
-                <a:effectLst>
-                  <a:outerShdw blurRad="38100" dist="38100" dir="2700000" algn="tl">
-                    <a:srgbClr val="000000">
-                      <a:alpha val="43137"/>
-                    </a:srgbClr>
-                  </a:outerShdw>
-                </a:effectLst>
-                <a:latin typeface="Arial Rounded MT Bold" panose="020F0704030504030204" pitchFamily="34" charset="0"/>
-              </a:rPr>
-              <a:t>testing</a:t>
-            </a:r>
-            <a:r>
-              <a:rPr lang="es-ES" b="1" dirty="0">
-                <a:solidFill>
-                  <a:schemeClr val="bg1"/>
-                </a:solidFill>
-                <a:effectLst>
-                  <a:outerShdw blurRad="38100" dist="38100" dir="2700000" algn="tl">
-                    <a:srgbClr val="000000">
-                      <a:alpha val="43137"/>
-                    </a:srgbClr>
-                  </a:outerShdw>
-                </a:effectLst>
-                <a:latin typeface="Arial Rounded MT Bold" panose="020F0704030504030204" pitchFamily="34" charset="0"/>
-              </a:rPr>
-              <a:t> </a:t>
-            </a:r>
-            <a:r>
-              <a:rPr lang="es-ES" b="1" dirty="0" err="1">
-                <a:solidFill>
-                  <a:schemeClr val="bg1"/>
-                </a:solidFill>
-                <a:effectLst>
-                  <a:outerShdw blurRad="38100" dist="38100" dir="2700000" algn="tl">
-                    <a:srgbClr val="000000">
-                      <a:alpha val="43137"/>
-                    </a:srgbClr>
-                  </a:outerShdw>
-                </a:effectLst>
-                <a:latin typeface="Arial Rounded MT Bold" panose="020F0704030504030204" pitchFamily="34" charset="0"/>
-              </a:rPr>
-              <a:t>tools</a:t>
-            </a:r>
-            <a:r>
-              <a:rPr lang="es-ES" b="1" dirty="0">
-                <a:solidFill>
-                  <a:schemeClr val="bg1"/>
-                </a:solidFill>
-                <a:effectLst>
-                  <a:outerShdw blurRad="38100" dist="38100" dir="2700000" algn="tl">
-                    <a:srgbClr val="000000">
-                      <a:alpha val="43137"/>
-                    </a:srgbClr>
-                  </a:outerShdw>
-                </a:effectLst>
-                <a:latin typeface="Arial Rounded MT Bold" panose="020F0704030504030204" pitchFamily="34" charset="0"/>
-              </a:rPr>
-              <a:t>: </a:t>
+              <a:t>Web testing tools: </a:t>
             </a:r>
             <a:br>
               <a:rPr lang="es-ES" b="1" dirty="0">
@@ -5585,6 +5536,18 @@
   <p:clrMapOvr>
     <a:masterClrMapping/>
   </p:clrMapOvr>
+  <mc:AlternateContent xmlns:mc="http://schemas.openxmlformats.org/markup-compatibility/2006">
+    <mc:Choice xmlns:p14="http://schemas.microsoft.com/office/powerpoint/2010/main" Requires="p14">
+      <p:transition spd="med" p14:dur="700">
+        <p:fade/>
+      </p:transition>
+    </mc:Choice>
+    <mc:Fallback>
+      <p:transition spd="med">
+        <p:fade/>
+      </p:transition>
+    </mc:Fallback>
+  </mc:AlternateContent>
 </p:sld>
 </file>
 
@@ -5628,47 +5591,14 @@
           <a:lstStyle/>
           <a:p>
             <a:r>
-              <a:rPr lang="es-ES" u="sng" dirty="0" smtClean="0">
+              <a:rPr lang="es-ES" u="sng" dirty="0">
                 <a:solidFill>
                   <a:schemeClr val="bg1"/>
                 </a:solidFill>
                 <a:latin typeface="Arial Rounded MT Bold" panose="020F0704030504030204" pitchFamily="34" charset="0"/>
               </a:rPr>
-              <a:t>3.Fuentes de </a:t>
-            </a:r>
-            <a:r>
-              <a:rPr lang="es-ES" u="sng" dirty="0" err="1" smtClean="0">
-                <a:solidFill>
-                  <a:schemeClr val="bg1"/>
-                </a:solidFill>
-                <a:latin typeface="Arial Rounded MT Bold" panose="020F0704030504030204" pitchFamily="34" charset="0"/>
-              </a:rPr>
-              <a:t>informacion</a:t>
-            </a:r>
-            <a:r>
-              <a:rPr lang="es-ES" u="sng" dirty="0" smtClean="0">
-                <a:solidFill>
-                  <a:schemeClr val="bg1"/>
-                </a:solidFill>
-                <a:latin typeface="Arial Rounded MT Bold" panose="020F0704030504030204" pitchFamily="34" charset="0"/>
-              </a:rPr>
-              <a:t> sobre las </a:t>
-            </a:r>
-            <a:r>
-              <a:rPr lang="es-ES" u="sng" dirty="0" err="1" smtClean="0">
-                <a:solidFill>
-                  <a:schemeClr val="bg1"/>
-                </a:solidFill>
-                <a:latin typeface="Arial Rounded MT Bold" panose="020F0704030504030204" pitchFamily="34" charset="0"/>
-              </a:rPr>
-              <a:t>tecnologias</a:t>
-            </a:r>
-            <a:endParaRPr lang="es-ES" u="sng" dirty="0">
-              <a:solidFill>
-                <a:schemeClr val="bg1"/>
-              </a:solidFill>
-              <a:latin typeface="Arial Rounded MT Bold" panose="020F0704030504030204" pitchFamily="34" charset="0"/>
-            </a:endParaRPr>
+              <a:t>3.Fuentes de información sobre las tecnologías</a:t>
+            </a:r>
           </a:p>
         </p:txBody>
       </p:sp>
@@ -5716,8 +5646,8 @@
         </p:nvSpPr>
         <p:spPr>
           <a:xfrm>
-            <a:off x="709129" y="2647578"/>
-            <a:ext cx="5971589" cy="3539430"/>
+            <a:off x="502276" y="3753072"/>
+            <a:ext cx="5971589" cy="1446550"/>
           </a:xfrm>
           <a:prstGeom prst="rect">
             <a:avLst/>
@@ -5735,10 +5665,14 @@
               <a:buChar char="•"/>
             </a:pPr>
             <a:r>
-              <a:rPr lang="es-ES" sz="2800" dirty="0" smtClean="0"/>
+              <a:rPr lang="es-ES" sz="2200" dirty="0">
+                <a:solidFill>
+                  <a:schemeClr val="bg1"/>
+                </a:solidFill>
+                <a:latin typeface="Arial Rounded MT Bold" panose="020F0704030504030204" pitchFamily="34" charset="0"/>
+              </a:rPr>
               <a:t>Se han consultado varias páginas para poder obtener mas información sobre este tipo de herramientas. </a:t>
             </a:r>
-            <a:endParaRPr lang="es-ES" sz="2800" dirty="0"/>
           </a:p>
           <a:p>
             <a:pPr marL="457200" indent="-457200">
@@ -5746,26 +5680,20 @@
               <a:buChar char="•"/>
             </a:pPr>
             <a:r>
-              <a:rPr lang="es-ES" sz="2800" dirty="0" smtClean="0"/>
-              <a:t>Ejemplo: </a:t>
-            </a:r>
-            <a:r>
-              <a:rPr lang="es-ES" sz="2800" u="sng" dirty="0">
+              <a:rPr lang="es-ES" sz="2200" dirty="0">
+                <a:solidFill>
+                  <a:schemeClr val="bg1"/>
+                </a:solidFill>
+                <a:latin typeface="Arial Rounded MT Bold" panose="020F0704030504030204" pitchFamily="34" charset="0"/>
                 <a:hlinkClick r:id="rId4"/>
               </a:rPr>
-              <a:t>http://www8.hp.com/es/es/software-solutions/loadrunner-load-testing</a:t>
-            </a:r>
-            <a:r>
-              <a:rPr lang="es-ES" sz="2800" u="sng" dirty="0" smtClean="0">
-                <a:hlinkClick r:id="rId4"/>
-              </a:rPr>
-              <a:t>/</a:t>
-            </a:r>
-            <a:r>
-              <a:rPr lang="es-ES" sz="2800" u="sng" dirty="0" smtClean="0"/>
-              <a:t> </a:t>
-            </a:r>
-            <a:endParaRPr lang="es-ES" sz="2800" dirty="0" smtClean="0"/>
+              <a:t>Ejemplo</a:t>
+            </a:r>
+            <a:endParaRPr lang="es-ES" sz="2200" dirty="0">
+              <a:solidFill>
+                <a:schemeClr val="bg1"/>
+              </a:solidFill>
+            </a:endParaRPr>
           </a:p>
         </p:txBody>
       </p:sp>
@@ -5777,56 +5705,28 @@
         </p:nvSpPr>
         <p:spPr>
           <a:xfrm>
-            <a:off x="834720" y="2246005"/>
-            <a:ext cx="9039654" cy="461665"/>
+            <a:off x="592892" y="2333846"/>
+            <a:ext cx="8855908" cy="1015663"/>
           </a:xfrm>
           <a:prstGeom prst="rect">
             <a:avLst/>
           </a:prstGeom>
         </p:spPr>
         <p:txBody>
-          <a:bodyPr wrap="none">
+          <a:bodyPr wrap="square">
             <a:spAutoFit/>
           </a:bodyPr>
           <a:lstStyle/>
           <a:p>
             <a:r>
-              <a:rPr lang="es-ES" sz="2400" b="1" dirty="0" smtClean="0">
+              <a:rPr lang="es-ES" sz="3000" b="1" dirty="0">
                 <a:solidFill>
                   <a:schemeClr val="bg1"/>
                 </a:solidFill>
+                <a:latin typeface="Arial Rounded MT Bold" panose="020F0704030504030204" pitchFamily="34" charset="0"/>
               </a:rPr>
-              <a:t>3.2 </a:t>
-            </a:r>
-            <a:r>
-              <a:rPr lang="es-ES" sz="2400" b="1" dirty="0">
-                <a:solidFill>
-                  <a:schemeClr val="bg1"/>
-                </a:solidFill>
-              </a:rPr>
-              <a:t>Fuentes de información sobre la </a:t>
-            </a:r>
-            <a:r>
-              <a:rPr lang="es-ES" sz="2400" b="1" dirty="0" smtClean="0">
-                <a:solidFill>
-                  <a:schemeClr val="bg1"/>
-                </a:solidFill>
-              </a:rPr>
-              <a:t>tecnología </a:t>
-            </a:r>
-            <a:r>
-              <a:rPr lang="es-ES" sz="2400" b="1" dirty="0" err="1" smtClean="0">
-                <a:solidFill>
-                  <a:schemeClr val="bg1"/>
-                </a:solidFill>
-              </a:rPr>
-              <a:t>LoadRunner</a:t>
-            </a:r>
-            <a:endParaRPr lang="es-ES" sz="2400" b="1" dirty="0">
-              <a:solidFill>
-                <a:schemeClr val="bg1"/>
-              </a:solidFill>
-            </a:endParaRPr>
+              <a:t>3.2 Fuentes de información sobre la tecnología LoadRunner</a:t>
+            </a:r>
           </a:p>
         </p:txBody>
       </p:sp>
@@ -5853,16 +5753,25 @@
         </p:blipFill>
         <p:spPr bwMode="auto">
           <a:xfrm>
-            <a:off x="6531429" y="3071886"/>
+            <a:off x="6473865" y="2841677"/>
             <a:ext cx="5586605" cy="3422219"/>
           </a:xfrm>
-          <a:prstGeom prst="rect">
-            <a:avLst/>
+          <a:prstGeom prst="roundRect">
+            <a:avLst>
+              <a:gd name="adj" fmla="val 8594"/>
+            </a:avLst>
           </a:prstGeom>
-          <a:noFill/>
+          <a:solidFill>
+            <a:srgbClr val="FFFFFF">
+              <a:shade val="85000"/>
+            </a:srgbClr>
+          </a:solidFill>
           <a:ln>
             <a:noFill/>
           </a:ln>
+          <a:effectLst>
+            <a:reflection blurRad="12700" stA="38000" endPos="28000" dist="5000" dir="5400000" sy="-100000" algn="bl" rotWithShape="0"/>
+          </a:effectLst>
           <a:extLst>
             <a:ext uri="{909E8E84-426E-40DD-AFC4-6F175D3DCCD1}">
               <a14:hiddenFill xmlns:a14="http://schemas.microsoft.com/office/drawing/2010/main">
@@ -5894,6 +5803,18 @@
   <p:clrMapOvr>
     <a:masterClrMapping/>
   </p:clrMapOvr>
+  <mc:AlternateContent xmlns:mc="http://schemas.openxmlformats.org/markup-compatibility/2006">
+    <mc:Choice xmlns:p14="http://schemas.microsoft.com/office/powerpoint/2010/main" Requires="p14">
+      <p:transition spd="med" p14:dur="700">
+        <p:fade/>
+      </p:transition>
+    </mc:Choice>
+    <mc:Fallback>
+      <p:transition spd="med">
+        <p:fade/>
+      </p:transition>
+    </mc:Fallback>
+  </mc:AlternateContent>
   <p:timing>
     <p:tnLst>
       <p:par>
@@ -6023,47 +5944,14 @@
           <a:lstStyle/>
           <a:p>
             <a:r>
-              <a:rPr lang="es-ES" u="sng" dirty="0" smtClean="0">
+              <a:rPr lang="es-ES" u="sng" dirty="0">
                 <a:solidFill>
                   <a:schemeClr val="bg1"/>
                 </a:solidFill>
                 <a:latin typeface="Arial Rounded MT Bold" panose="020F0704030504030204" pitchFamily="34" charset="0"/>
               </a:rPr>
-              <a:t>3.Fuentes de </a:t>
-            </a:r>
-            <a:r>
-              <a:rPr lang="es-ES" u="sng" dirty="0" err="1" smtClean="0">
-                <a:solidFill>
-                  <a:schemeClr val="bg1"/>
-                </a:solidFill>
-                <a:latin typeface="Arial Rounded MT Bold" panose="020F0704030504030204" pitchFamily="34" charset="0"/>
-              </a:rPr>
-              <a:t>informacion</a:t>
-            </a:r>
-            <a:r>
-              <a:rPr lang="es-ES" u="sng" dirty="0" smtClean="0">
-                <a:solidFill>
-                  <a:schemeClr val="bg1"/>
-                </a:solidFill>
-                <a:latin typeface="Arial Rounded MT Bold" panose="020F0704030504030204" pitchFamily="34" charset="0"/>
-              </a:rPr>
-              <a:t> sobre las </a:t>
-            </a:r>
-            <a:r>
-              <a:rPr lang="es-ES" u="sng" dirty="0" err="1" smtClean="0">
-                <a:solidFill>
-                  <a:schemeClr val="bg1"/>
-                </a:solidFill>
-                <a:latin typeface="Arial Rounded MT Bold" panose="020F0704030504030204" pitchFamily="34" charset="0"/>
-              </a:rPr>
-              <a:t>tecnologias</a:t>
-            </a:r>
-            <a:endParaRPr lang="es-ES" u="sng" dirty="0">
-              <a:solidFill>
-                <a:schemeClr val="bg1"/>
-              </a:solidFill>
-              <a:latin typeface="Arial Rounded MT Bold" panose="020F0704030504030204" pitchFamily="34" charset="0"/>
-            </a:endParaRPr>
+              <a:t>3.Fuentes de información sobre las tecnologías</a:t>
+            </a:r>
           </a:p>
         </p:txBody>
       </p:sp>
@@ -6111,8 +5999,8 @@
         </p:nvSpPr>
         <p:spPr>
           <a:xfrm>
-            <a:off x="709129" y="2647578"/>
-            <a:ext cx="5971589" cy="2677656"/>
+            <a:off x="346664" y="4073556"/>
+            <a:ext cx="5971589" cy="1446550"/>
           </a:xfrm>
           <a:prstGeom prst="rect">
             <a:avLst/>
@@ -6130,10 +6018,14 @@
               <a:buChar char="•"/>
             </a:pPr>
             <a:r>
-              <a:rPr lang="es-ES" sz="2800" dirty="0" smtClean="0"/>
+              <a:rPr lang="es-ES" sz="2200" dirty="0">
+                <a:solidFill>
+                  <a:schemeClr val="bg1"/>
+                </a:solidFill>
+                <a:latin typeface="Arial Rounded MT Bold" panose="020F0704030504030204" pitchFamily="34" charset="0"/>
+              </a:rPr>
               <a:t>Se han consultado varias páginas para poder obtener mas información sobre este tipo de herramientas. </a:t>
             </a:r>
-            <a:endParaRPr lang="es-ES" sz="2800" dirty="0"/>
           </a:p>
           <a:p>
             <a:pPr marL="457200" indent="-457200">
@@ -6141,20 +6033,16 @@
               <a:buChar char="•"/>
             </a:pPr>
             <a:r>
-              <a:rPr lang="es-ES" sz="2800" dirty="0" smtClean="0"/>
-              <a:t>Ejemplo: </a:t>
-            </a:r>
-            <a:r>
-              <a:rPr lang="es-ES" sz="2800" u="sng" dirty="0">
+              <a:rPr lang="es-ES" sz="2200" dirty="0">
+                <a:solidFill>
+                  <a:schemeClr val="bg1"/>
+                </a:solidFill>
+                <a:latin typeface="Arial Rounded MT Bold" panose="020F0704030504030204" pitchFamily="34" charset="0"/>
                 <a:hlinkClick r:id="rId4"/>
               </a:rPr>
-              <a:t>http://www.radview.com/</a:t>
-            </a:r>
-            <a:r>
-              <a:rPr lang="es-ES" sz="2800" dirty="0"/>
-              <a:t> </a:t>
-            </a:r>
-            <a:endParaRPr lang="es-ES" sz="2800" dirty="0" smtClean="0"/>
+              <a:t>Ejemplo</a:t>
+            </a:r>
+            <a:endParaRPr lang="es-ES" sz="2800" dirty="0"/>
           </a:p>
         </p:txBody>
       </p:sp>
@@ -6167,55 +6055,27 @@
         <p:spPr>
           <a:xfrm>
             <a:off x="834720" y="2246005"/>
-            <a:ext cx="8630889" cy="461665"/>
+            <a:ext cx="8968307" cy="1015663"/>
           </a:xfrm>
           <a:prstGeom prst="rect">
             <a:avLst/>
           </a:prstGeom>
         </p:spPr>
         <p:txBody>
-          <a:bodyPr wrap="none">
+          <a:bodyPr wrap="square">
             <a:spAutoFit/>
           </a:bodyPr>
           <a:lstStyle/>
           <a:p>
             <a:r>
-              <a:rPr lang="es-ES" sz="2400" b="1" dirty="0" smtClean="0">
+              <a:rPr lang="es-ES" sz="3000" b="1" dirty="0">
                 <a:solidFill>
                   <a:schemeClr val="bg1"/>
                 </a:solidFill>
+                <a:latin typeface="Arial Rounded MT Bold" panose="020F0704030504030204" pitchFamily="34" charset="0"/>
               </a:rPr>
-              <a:t>3.3 </a:t>
-            </a:r>
-            <a:r>
-              <a:rPr lang="es-ES" sz="2400" b="1" dirty="0">
-                <a:solidFill>
-                  <a:schemeClr val="bg1"/>
-                </a:solidFill>
-              </a:rPr>
-              <a:t>Fuentes de información sobre la </a:t>
-            </a:r>
-            <a:r>
-              <a:rPr lang="es-ES" sz="2400" b="1" dirty="0" smtClean="0">
-                <a:solidFill>
-                  <a:schemeClr val="bg1"/>
-                </a:solidFill>
-              </a:rPr>
-              <a:t>tecnología </a:t>
-            </a:r>
-            <a:r>
-              <a:rPr lang="es-ES" sz="2400" b="1" dirty="0" err="1" smtClean="0">
-                <a:solidFill>
-                  <a:schemeClr val="bg1"/>
-                </a:solidFill>
-              </a:rPr>
-              <a:t>Webload</a:t>
-            </a:r>
-            <a:endParaRPr lang="es-ES" sz="2400" b="1" dirty="0">
-              <a:solidFill>
-                <a:schemeClr val="bg1"/>
-              </a:solidFill>
-            </a:endParaRPr>
+              <a:t>3.3 Fuentes de información sobre la tecnología Webload</a:t>
+            </a:r>
           </a:p>
         </p:txBody>
       </p:sp>
@@ -6242,16 +6102,25 @@
         </p:blipFill>
         <p:spPr bwMode="auto">
           <a:xfrm>
-            <a:off x="6469225" y="2894283"/>
-            <a:ext cx="5466560" cy="3805097"/>
+            <a:off x="6318253" y="2817092"/>
+            <a:ext cx="5593661" cy="3593355"/>
           </a:xfrm>
-          <a:prstGeom prst="rect">
-            <a:avLst/>
+          <a:prstGeom prst="roundRect">
+            <a:avLst>
+              <a:gd name="adj" fmla="val 8594"/>
+            </a:avLst>
           </a:prstGeom>
-          <a:noFill/>
+          <a:solidFill>
+            <a:srgbClr val="FFFFFF">
+              <a:shade val="85000"/>
+            </a:srgbClr>
+          </a:solidFill>
           <a:ln>
             <a:noFill/>
           </a:ln>
+          <a:effectLst>
+            <a:reflection blurRad="12700" stA="38000" endPos="28000" dist="5000" dir="5400000" sy="-100000" algn="bl" rotWithShape="0"/>
+          </a:effectLst>
           <a:extLst>
             <a:ext uri="{909E8E84-426E-40DD-AFC4-6F175D3DCCD1}">
               <a14:hiddenFill xmlns:a14="http://schemas.microsoft.com/office/drawing/2010/main">
@@ -6283,6 +6152,18 @@
   <p:clrMapOvr>
     <a:masterClrMapping/>
   </p:clrMapOvr>
+  <mc:AlternateContent xmlns:mc="http://schemas.openxmlformats.org/markup-compatibility/2006">
+    <mc:Choice xmlns:p14="http://schemas.microsoft.com/office/powerpoint/2010/main" Requires="p14">
+      <p:transition spd="med" p14:dur="700">
+        <p:fade/>
+      </p:transition>
+    </mc:Choice>
+    <mc:Fallback>
+      <p:transition spd="med">
+        <p:fade/>
+      </p:transition>
+    </mc:Fallback>
+  </mc:AlternateContent>
   <p:timing>
     <p:tnLst>
       <p:par>
@@ -6416,7 +6297,7 @@
                 </a:solidFill>
                 <a:latin typeface="Arial Rounded MT Bold" panose="020F0704030504030204" pitchFamily="34" charset="0"/>
               </a:rPr>
-              <a:t>6.Ayudas económicas para estudiar las tecnologías</a:t>
+              <a:t>4.Fuentes de información (Cursos no gratuitos wEblOAD)</a:t>
             </a:r>
             <a:endParaRPr lang="es-ES" dirty="0"/>
           </a:p>
@@ -6461,17 +6342,1179 @@
     </p:spTree>
     <p:extLst>
       <p:ext uri="{BB962C8B-B14F-4D97-AF65-F5344CB8AC3E}">
-        <p14:creationId xmlns:p14="http://schemas.microsoft.com/office/powerpoint/2010/main" val="1718411388"/>
+        <p14:creationId xmlns:p14="http://schemas.microsoft.com/office/powerpoint/2010/main" val="410969699"/>
       </p:ext>
     </p:extLst>
   </p:cSld>
   <p:clrMapOvr>
     <a:masterClrMapping/>
   </p:clrMapOvr>
+  <mc:AlternateContent xmlns:mc="http://schemas.openxmlformats.org/markup-compatibility/2006">
+    <mc:Choice xmlns:p14="http://schemas.microsoft.com/office/powerpoint/2010/main" Requires="p14">
+      <p:transition spd="med" p14:dur="700">
+        <p:fade/>
+      </p:transition>
+    </mc:Choice>
+    <mc:Fallback>
+      <p:transition spd="med">
+        <p:fade/>
+      </p:transition>
+    </mc:Fallback>
+  </mc:AlternateContent>
 </p:sld>
 </file>
 
 <file path=ppt/slides/slide13.xml><?xml version="1.0" encoding="utf-8"?>
+<p:sld xmlns:a="http://schemas.openxmlformats.org/drawingml/2006/main" xmlns:r="http://schemas.openxmlformats.org/officeDocument/2006/relationships" xmlns:p="http://schemas.openxmlformats.org/presentationml/2006/main">
+  <p:cSld>
+    <p:spTree>
+      <p:nvGrpSpPr>
+        <p:cNvPr id="1" name=""/>
+        <p:cNvGrpSpPr/>
+        <p:nvPr/>
+      </p:nvGrpSpPr>
+      <p:grpSpPr>
+        <a:xfrm>
+          <a:off x="0" y="0"/>
+          <a:ext cx="0" cy="0"/>
+          <a:chOff x="0" y="0"/>
+          <a:chExt cx="0" cy="0"/>
+        </a:xfrm>
+      </p:grpSpPr>
+      <p:sp>
+        <p:nvSpPr>
+          <p:cNvPr id="4" name="Título 3"/>
+          <p:cNvSpPr>
+            <a:spLocks noGrp="1"/>
+          </p:cNvSpPr>
+          <p:nvPr>
+            <p:ph type="title"/>
+          </p:nvPr>
+        </p:nvSpPr>
+        <p:spPr>
+          <a:xfrm>
+            <a:off x="502276" y="826779"/>
+            <a:ext cx="9942490" cy="1507067"/>
+          </a:xfrm>
+        </p:spPr>
+        <p:txBody>
+          <a:bodyPr/>
+          <a:lstStyle/>
+          <a:p>
+            <a:r>
+              <a:rPr lang="es-ES" u="sng" dirty="0">
+                <a:solidFill>
+                  <a:schemeClr val="bg1"/>
+                </a:solidFill>
+                <a:latin typeface="Arial Rounded MT Bold" panose="020F0704030504030204" pitchFamily="34" charset="0"/>
+              </a:rPr>
+              <a:t>4.Fuentes de información (Cursos no gratuitos lOADrUNNER)</a:t>
+            </a:r>
+            <a:endParaRPr lang="es-ES" dirty="0"/>
+          </a:p>
+        </p:txBody>
+      </p:sp>
+      <p:pic>
+        <p:nvPicPr>
+          <p:cNvPr id="5" name="Imagen 4"/>
+          <p:cNvPicPr>
+            <a:picLocks noChangeAspect="1"/>
+          </p:cNvPicPr>
+          <p:nvPr/>
+        </p:nvPicPr>
+        <p:blipFill>
+          <a:blip r:embed="rId2">
+            <a:extLst>
+              <a:ext uri="{BEBA8EAE-BF5A-486C-A8C5-ECC9F3942E4B}">
+                <a14:imgProps xmlns:a14="http://schemas.microsoft.com/office/drawing/2010/main">
+                  <a14:imgLayer r:embed="rId3">
+                    <a14:imgEffect>
+                      <a14:brightnessContrast bright="-40000" contrast="20000"/>
+                    </a14:imgEffect>
+                  </a14:imgLayer>
+                </a14:imgProps>
+              </a:ext>
+            </a:extLst>
+          </a:blip>
+          <a:stretch>
+            <a:fillRect/>
+          </a:stretch>
+        </p:blipFill>
+        <p:spPr>
+          <a:xfrm>
+            <a:off x="0" y="0"/>
+            <a:ext cx="2751786" cy="826779"/>
+          </a:xfrm>
+          <a:prstGeom prst="rect">
+            <a:avLst/>
+          </a:prstGeom>
+        </p:spPr>
+      </p:pic>
+      <p:sp>
+        <p:nvSpPr>
+          <p:cNvPr id="6" name="5 CuadroTexto"/>
+          <p:cNvSpPr txBox="1"/>
+          <p:nvPr/>
+        </p:nvSpPr>
+        <p:spPr>
+          <a:xfrm>
+            <a:off x="177320" y="2708376"/>
+            <a:ext cx="3607280" cy="2462213"/>
+          </a:xfrm>
+          <a:prstGeom prst="rect">
+            <a:avLst/>
+          </a:prstGeom>
+          <a:noFill/>
+        </p:spPr>
+        <p:txBody>
+          <a:bodyPr wrap="square" rtlCol="0">
+            <a:spAutoFit/>
+          </a:bodyPr>
+          <a:lstStyle/>
+          <a:p>
+            <a:r>
+              <a:rPr lang="es-ES" sz="2200" dirty="0">
+                <a:solidFill>
+                  <a:schemeClr val="bg1"/>
+                </a:solidFill>
+                <a:latin typeface="Arial Rounded MT Bold" panose="020F0704030504030204" pitchFamily="34" charset="0"/>
+              </a:rPr>
+              <a:t>Hewlett Packard (HP)</a:t>
+            </a:r>
+          </a:p>
+          <a:p>
+            <a:r>
+              <a:rPr lang="es-ES" sz="1500" dirty="0">
+                <a:solidFill>
+                  <a:schemeClr val="bg1"/>
+                </a:solidFill>
+                <a:latin typeface="Arial Rounded MT Bold" panose="020F0704030504030204" pitchFamily="34" charset="0"/>
+              </a:rPr>
+              <a:t>Curso impartido en Toronto, Canadá por la marca propietaria de LoadRunner. </a:t>
+            </a:r>
+          </a:p>
+          <a:p>
+            <a:r>
+              <a:rPr lang="es-ES" sz="1500" dirty="0">
+                <a:solidFill>
+                  <a:schemeClr val="bg1"/>
+                </a:solidFill>
+                <a:latin typeface="Arial Rounded MT Bold" panose="020F0704030504030204" pitchFamily="34" charset="0"/>
+              </a:rPr>
+              <a:t>El curso esta destinado a LoadRunner 12.0 Essentials.</a:t>
+            </a:r>
+            <a:br>
+              <a:rPr lang="es-ES" sz="1500" dirty="0">
+                <a:solidFill>
+                  <a:schemeClr val="bg1"/>
+                </a:solidFill>
+                <a:latin typeface="Arial Rounded MT Bold" panose="020F0704030504030204" pitchFamily="34" charset="0"/>
+              </a:rPr>
+            </a:br>
+            <a:br>
+              <a:rPr lang="es-ES" sz="1500" dirty="0">
+                <a:solidFill>
+                  <a:schemeClr val="bg1"/>
+                </a:solidFill>
+                <a:latin typeface="Arial Rounded MT Bold" panose="020F0704030504030204" pitchFamily="34" charset="0"/>
+              </a:rPr>
+            </a:br>
+            <a:r>
+              <a:rPr lang="es-ES" sz="1500" dirty="0">
+                <a:solidFill>
+                  <a:schemeClr val="bg1"/>
+                </a:solidFill>
+                <a:latin typeface="Arial Rounded MT Bold" panose="020F0704030504030204" pitchFamily="34" charset="0"/>
+              </a:rPr>
+              <a:t>Duración: 5 días.</a:t>
+            </a:r>
+          </a:p>
+          <a:p>
+            <a:r>
+              <a:rPr lang="es-ES" sz="1500" dirty="0">
+                <a:solidFill>
+                  <a:schemeClr val="bg1"/>
+                </a:solidFill>
+                <a:latin typeface="Arial Rounded MT Bold" panose="020F0704030504030204" pitchFamily="34" charset="0"/>
+              </a:rPr>
+              <a:t>Precio: 3750 USD.</a:t>
+            </a:r>
+          </a:p>
+          <a:p>
+            <a:r>
+              <a:rPr lang="es-ES" sz="1200" dirty="0">
+                <a:hlinkClick r:id="rId4"/>
+              </a:rPr>
+              <a:t>Link</a:t>
+            </a:r>
+            <a:endParaRPr lang="es-ES" sz="1200" dirty="0"/>
+          </a:p>
+        </p:txBody>
+      </p:sp>
+      <p:sp>
+        <p:nvSpPr>
+          <p:cNvPr id="7" name="6 CuadroTexto"/>
+          <p:cNvSpPr txBox="1"/>
+          <p:nvPr/>
+        </p:nvSpPr>
+        <p:spPr>
+          <a:xfrm>
+            <a:off x="4058114" y="2708376"/>
+            <a:ext cx="3937000" cy="2231380"/>
+          </a:xfrm>
+          <a:prstGeom prst="rect">
+            <a:avLst/>
+          </a:prstGeom>
+          <a:noFill/>
+        </p:spPr>
+        <p:txBody>
+          <a:bodyPr wrap="square" rtlCol="0">
+            <a:spAutoFit/>
+          </a:bodyPr>
+          <a:lstStyle/>
+          <a:p>
+            <a:r>
+              <a:rPr lang="es-ES" sz="2200" dirty="0">
+                <a:solidFill>
+                  <a:schemeClr val="bg1"/>
+                </a:solidFill>
+                <a:latin typeface="Arial Rounded MT Bold" panose="020F0704030504030204" pitchFamily="34" charset="0"/>
+              </a:rPr>
+              <a:t>Hewlett Packard (HP)</a:t>
+            </a:r>
+          </a:p>
+          <a:p>
+            <a:r>
+              <a:rPr lang="es-ES" sz="1500" dirty="0">
+                <a:solidFill>
+                  <a:schemeClr val="bg1"/>
+                </a:solidFill>
+                <a:latin typeface="Arial Rounded MT Bold" panose="020F0704030504030204" pitchFamily="34" charset="0"/>
+              </a:rPr>
+              <a:t>Curso impartido en Toronto, Canadá por la marca propietaria de LoadRunner. </a:t>
+            </a:r>
+          </a:p>
+          <a:p>
+            <a:r>
+              <a:rPr lang="es-ES" sz="1500" dirty="0">
+                <a:solidFill>
+                  <a:schemeClr val="bg1"/>
+                </a:solidFill>
+                <a:latin typeface="Arial Rounded MT Bold" panose="020F0704030504030204" pitchFamily="34" charset="0"/>
+              </a:rPr>
+              <a:t>El curso esta destinado a LoadRunner 11.5  Protocol Library</a:t>
+            </a:r>
+            <a:br>
+              <a:rPr lang="es-ES" sz="1500" dirty="0">
+                <a:solidFill>
+                  <a:schemeClr val="bg1"/>
+                </a:solidFill>
+                <a:latin typeface="Arial Rounded MT Bold" panose="020F0704030504030204" pitchFamily="34" charset="0"/>
+              </a:rPr>
+            </a:br>
+            <a:br>
+              <a:rPr lang="es-ES" sz="1500" dirty="0">
+                <a:solidFill>
+                  <a:schemeClr val="bg1"/>
+                </a:solidFill>
+                <a:latin typeface="Arial Rounded MT Bold" panose="020F0704030504030204" pitchFamily="34" charset="0"/>
+              </a:rPr>
+            </a:br>
+            <a:r>
+              <a:rPr lang="es-ES" sz="1500" dirty="0">
+                <a:solidFill>
+                  <a:schemeClr val="bg1"/>
+                </a:solidFill>
+                <a:latin typeface="Arial Rounded MT Bold" panose="020F0704030504030204" pitchFamily="34" charset="0"/>
+              </a:rPr>
+              <a:t>Duración: 2 días.</a:t>
+            </a:r>
+          </a:p>
+          <a:p>
+            <a:r>
+              <a:rPr lang="es-ES" sz="1500" dirty="0">
+                <a:solidFill>
+                  <a:schemeClr val="bg1"/>
+                </a:solidFill>
+                <a:latin typeface="Arial Rounded MT Bold" panose="020F0704030504030204" pitchFamily="34" charset="0"/>
+              </a:rPr>
+              <a:t>Precio: 1500 CAD.</a:t>
+            </a:r>
+          </a:p>
+          <a:p>
+            <a:r>
+              <a:rPr lang="es-ES" sz="1200" dirty="0">
+                <a:solidFill>
+                  <a:schemeClr val="bg1"/>
+                </a:solidFill>
+                <a:latin typeface="+mj-lt"/>
+                <a:hlinkClick r:id="rId5"/>
+              </a:rPr>
+              <a:t>Link</a:t>
+            </a:r>
+            <a:endParaRPr lang="es-ES" sz="1200" dirty="0">
+              <a:solidFill>
+                <a:schemeClr val="bg1"/>
+              </a:solidFill>
+              <a:latin typeface="+mj-lt"/>
+            </a:endParaRPr>
+          </a:p>
+        </p:txBody>
+      </p:sp>
+      <p:sp>
+        <p:nvSpPr>
+          <p:cNvPr id="8" name="7 CuadroTexto"/>
+          <p:cNvSpPr txBox="1"/>
+          <p:nvPr/>
+        </p:nvSpPr>
+        <p:spPr>
+          <a:xfrm>
+            <a:off x="607918" y="5237342"/>
+            <a:ext cx="10240041" cy="646331"/>
+          </a:xfrm>
+          <a:prstGeom prst="rect">
+            <a:avLst/>
+          </a:prstGeom>
+          <a:noFill/>
+        </p:spPr>
+        <p:txBody>
+          <a:bodyPr wrap="square" rtlCol="0">
+            <a:spAutoFit/>
+          </a:bodyPr>
+          <a:lstStyle/>
+          <a:p>
+            <a:r>
+              <a:rPr lang="es-ES" dirty="0">
+                <a:solidFill>
+                  <a:schemeClr val="bg1"/>
+                </a:solidFill>
+                <a:latin typeface="Arial Rounded MT Bold" panose="020F0704030504030204" pitchFamily="34" charset="0"/>
+              </a:rPr>
+              <a:t>Casi todos los cursos de pago de esta herramienta, son impartidos por el propio fabricante. A un coste bastante elevado como se puede ver en los 2 ejemplos superiores.</a:t>
+            </a:r>
+          </a:p>
+        </p:txBody>
+      </p:sp>
+      <p:sp>
+        <p:nvSpPr>
+          <p:cNvPr id="9" name="8 CuadroTexto"/>
+          <p:cNvSpPr txBox="1"/>
+          <p:nvPr/>
+        </p:nvSpPr>
+        <p:spPr>
+          <a:xfrm>
+            <a:off x="8268628" y="2673552"/>
+            <a:ext cx="3872572" cy="2231380"/>
+          </a:xfrm>
+          <a:prstGeom prst="rect">
+            <a:avLst/>
+          </a:prstGeom>
+          <a:noFill/>
+        </p:spPr>
+        <p:txBody>
+          <a:bodyPr wrap="square" rtlCol="0">
+            <a:spAutoFit/>
+          </a:bodyPr>
+          <a:lstStyle/>
+          <a:p>
+            <a:r>
+              <a:rPr lang="es-ES" sz="2200" dirty="0">
+                <a:solidFill>
+                  <a:schemeClr val="bg1"/>
+                </a:solidFill>
+                <a:latin typeface="Arial Rounded MT Bold" panose="020F0704030504030204" pitchFamily="34" charset="0"/>
+              </a:rPr>
+              <a:t>Hewlett Packard (HP)</a:t>
+            </a:r>
+          </a:p>
+          <a:p>
+            <a:r>
+              <a:rPr lang="es-ES" sz="1500" dirty="0">
+                <a:solidFill>
+                  <a:schemeClr val="bg1"/>
+                </a:solidFill>
+                <a:latin typeface="Arial Rounded MT Bold" panose="020F0704030504030204" pitchFamily="34" charset="0"/>
+              </a:rPr>
+              <a:t>Curo interactivo LoadRunner 12.0 IT</a:t>
+            </a:r>
+          </a:p>
+          <a:p>
+            <a:r>
+              <a:rPr lang="es-ES" sz="1500" dirty="0">
+                <a:solidFill>
+                  <a:schemeClr val="bg1"/>
+                </a:solidFill>
+                <a:latin typeface="Arial Rounded MT Bold" panose="020F0704030504030204" pitchFamily="34" charset="0"/>
+              </a:rPr>
+              <a:t>Este es el curso mas completo referente a la herramienta LoadRunner. Hay 100 plazas limitadas.</a:t>
+            </a:r>
+            <a:br>
+              <a:rPr lang="es-ES" sz="1500" dirty="0">
+                <a:solidFill>
+                  <a:schemeClr val="bg1"/>
+                </a:solidFill>
+                <a:latin typeface="Arial Rounded MT Bold" panose="020F0704030504030204" pitchFamily="34" charset="0"/>
+              </a:rPr>
+            </a:br>
+            <a:br>
+              <a:rPr lang="es-ES" sz="1500" dirty="0">
+                <a:solidFill>
+                  <a:schemeClr val="bg1"/>
+                </a:solidFill>
+                <a:latin typeface="Arial Rounded MT Bold" panose="020F0704030504030204" pitchFamily="34" charset="0"/>
+              </a:rPr>
+            </a:br>
+            <a:r>
+              <a:rPr lang="es-ES" sz="1500" dirty="0">
+                <a:solidFill>
+                  <a:schemeClr val="bg1"/>
+                </a:solidFill>
+                <a:latin typeface="Arial Rounded MT Bold" panose="020F0704030504030204" pitchFamily="34" charset="0"/>
+              </a:rPr>
+              <a:t>Duración: 12 meses.</a:t>
+            </a:r>
+          </a:p>
+          <a:p>
+            <a:r>
+              <a:rPr lang="es-ES" sz="1500" dirty="0">
+                <a:solidFill>
+                  <a:schemeClr val="bg1"/>
+                </a:solidFill>
+                <a:latin typeface="Arial Rounded MT Bold" panose="020F0704030504030204" pitchFamily="34" charset="0"/>
+              </a:rPr>
+              <a:t>Precio: 20.000,00 USD</a:t>
+            </a:r>
+          </a:p>
+          <a:p>
+            <a:r>
+              <a:rPr lang="es-ES" sz="1200" dirty="0">
+                <a:hlinkClick r:id="rId6"/>
+              </a:rPr>
+              <a:t>Link</a:t>
+            </a:r>
+            <a:endParaRPr lang="es-ES" sz="1200" dirty="0"/>
+          </a:p>
+        </p:txBody>
+      </p:sp>
+    </p:spTree>
+    <p:extLst>
+      <p:ext uri="{BB962C8B-B14F-4D97-AF65-F5344CB8AC3E}">
+        <p14:creationId xmlns:p14="http://schemas.microsoft.com/office/powerpoint/2010/main" val="410969699"/>
+      </p:ext>
+    </p:extLst>
+  </p:cSld>
+  <p:clrMapOvr>
+    <a:masterClrMapping/>
+  </p:clrMapOvr>
+  <mc:AlternateContent xmlns:mc="http://schemas.openxmlformats.org/markup-compatibility/2006">
+    <mc:Choice xmlns:p14="http://schemas.microsoft.com/office/powerpoint/2010/main" Requires="p14">
+      <p:transition spd="med" p14:dur="700">
+        <p:fade/>
+      </p:transition>
+    </mc:Choice>
+    <mc:Fallback>
+      <p:transition spd="med">
+        <p:fade/>
+      </p:transition>
+    </mc:Fallback>
+  </mc:AlternateContent>
+</p:sld>
+</file>
+
+<file path=ppt/slides/slide14.xml><?xml version="1.0" encoding="utf-8"?>
+<p:sld xmlns:a="http://schemas.openxmlformats.org/drawingml/2006/main" xmlns:r="http://schemas.openxmlformats.org/officeDocument/2006/relationships" xmlns:p="http://schemas.openxmlformats.org/presentationml/2006/main">
+  <p:cSld>
+    <p:spTree>
+      <p:nvGrpSpPr>
+        <p:cNvPr id="1" name=""/>
+        <p:cNvGrpSpPr/>
+        <p:nvPr/>
+      </p:nvGrpSpPr>
+      <p:grpSpPr>
+        <a:xfrm>
+          <a:off x="0" y="0"/>
+          <a:ext cx="0" cy="0"/>
+          <a:chOff x="0" y="0"/>
+          <a:chExt cx="0" cy="0"/>
+        </a:xfrm>
+      </p:grpSpPr>
+      <p:sp>
+        <p:nvSpPr>
+          <p:cNvPr id="4" name="Título 3"/>
+          <p:cNvSpPr>
+            <a:spLocks noGrp="1"/>
+          </p:cNvSpPr>
+          <p:nvPr>
+            <p:ph type="title"/>
+          </p:nvPr>
+        </p:nvSpPr>
+        <p:spPr>
+          <a:xfrm>
+            <a:off x="502276" y="826779"/>
+            <a:ext cx="9942490" cy="1507067"/>
+          </a:xfrm>
+        </p:spPr>
+        <p:txBody>
+          <a:bodyPr/>
+          <a:lstStyle/>
+          <a:p>
+            <a:r>
+              <a:rPr lang="es-ES" u="sng" dirty="0">
+                <a:solidFill>
+                  <a:schemeClr val="bg1"/>
+                </a:solidFill>
+                <a:latin typeface="Arial Rounded MT Bold" panose="020F0704030504030204" pitchFamily="34" charset="0"/>
+              </a:rPr>
+              <a:t>5.Fuentes de información (Cursos gratuitos wEblOAD)</a:t>
+            </a:r>
+            <a:endParaRPr lang="es-ES" dirty="0"/>
+          </a:p>
+        </p:txBody>
+      </p:sp>
+      <p:pic>
+        <p:nvPicPr>
+          <p:cNvPr id="5" name="Imagen 4"/>
+          <p:cNvPicPr>
+            <a:picLocks noChangeAspect="1"/>
+          </p:cNvPicPr>
+          <p:nvPr/>
+        </p:nvPicPr>
+        <p:blipFill>
+          <a:blip r:embed="rId2">
+            <a:extLst>
+              <a:ext uri="{BEBA8EAE-BF5A-486C-A8C5-ECC9F3942E4B}">
+                <a14:imgProps xmlns:a14="http://schemas.microsoft.com/office/drawing/2010/main">
+                  <a14:imgLayer r:embed="rId3">
+                    <a14:imgEffect>
+                      <a14:brightnessContrast bright="-40000" contrast="20000"/>
+                    </a14:imgEffect>
+                  </a14:imgLayer>
+                </a14:imgProps>
+              </a:ext>
+            </a:extLst>
+          </a:blip>
+          <a:stretch>
+            <a:fillRect/>
+          </a:stretch>
+        </p:blipFill>
+        <p:spPr>
+          <a:xfrm>
+            <a:off x="0" y="0"/>
+            <a:ext cx="2751786" cy="826779"/>
+          </a:xfrm>
+          <a:prstGeom prst="rect">
+            <a:avLst/>
+          </a:prstGeom>
+        </p:spPr>
+      </p:pic>
+      <p:sp>
+        <p:nvSpPr>
+          <p:cNvPr id="6" name="5 CuadroTexto"/>
+          <p:cNvSpPr txBox="1"/>
+          <p:nvPr/>
+        </p:nvSpPr>
+        <p:spPr>
+          <a:xfrm>
+            <a:off x="1112808" y="2803584"/>
+            <a:ext cx="4449792" cy="2231380"/>
+          </a:xfrm>
+          <a:prstGeom prst="rect">
+            <a:avLst/>
+          </a:prstGeom>
+          <a:noFill/>
+        </p:spPr>
+        <p:txBody>
+          <a:bodyPr wrap="square" rtlCol="0">
+            <a:spAutoFit/>
+          </a:bodyPr>
+          <a:lstStyle/>
+          <a:p>
+            <a:r>
+              <a:rPr lang="es-ES" sz="2200" dirty="0">
+                <a:solidFill>
+                  <a:schemeClr val="bg1"/>
+                </a:solidFill>
+                <a:latin typeface="Arial Rounded MT Bold" panose="020F0704030504030204" pitchFamily="34" charset="0"/>
+              </a:rPr>
+              <a:t>Radview.com</a:t>
+            </a:r>
+          </a:p>
+          <a:p>
+            <a:r>
+              <a:rPr lang="es-ES" sz="1500" dirty="0">
+                <a:solidFill>
+                  <a:schemeClr val="bg1"/>
+                </a:solidFill>
+                <a:latin typeface="Arial Rounded MT Bold" panose="020F0704030504030204" pitchFamily="34" charset="0"/>
+              </a:rPr>
+              <a:t>Curso  impartido por la pagina propietaria de la herramienta WebLoad. El curso consta de unos cuantos vídeos explicando funcionalidades básicas de la herramienta</a:t>
+            </a:r>
+            <a:br>
+              <a:rPr lang="es-ES" sz="1500" dirty="0">
+                <a:solidFill>
+                  <a:schemeClr val="bg1"/>
+                </a:solidFill>
+                <a:latin typeface="Arial Rounded MT Bold" panose="020F0704030504030204" pitchFamily="34" charset="0"/>
+              </a:rPr>
+            </a:br>
+            <a:br>
+              <a:rPr lang="es-ES" sz="1500" dirty="0">
+                <a:solidFill>
+                  <a:schemeClr val="bg1"/>
+                </a:solidFill>
+                <a:latin typeface="Arial Rounded MT Bold" panose="020F0704030504030204" pitchFamily="34" charset="0"/>
+              </a:rPr>
+            </a:br>
+            <a:r>
+              <a:rPr lang="es-ES" sz="1500" dirty="0">
+                <a:solidFill>
+                  <a:schemeClr val="bg1"/>
+                </a:solidFill>
+                <a:latin typeface="Arial Rounded MT Bold" panose="020F0704030504030204" pitchFamily="34" charset="0"/>
+              </a:rPr>
+              <a:t>Duración: 7 videos.</a:t>
+            </a:r>
+          </a:p>
+          <a:p>
+            <a:r>
+              <a:rPr lang="es-ES" sz="1500" dirty="0">
+                <a:solidFill>
+                  <a:schemeClr val="bg1"/>
+                </a:solidFill>
+                <a:latin typeface="Arial Rounded MT Bold" panose="020F0704030504030204" pitchFamily="34" charset="0"/>
+              </a:rPr>
+              <a:t>Precio: Gratuito.</a:t>
+            </a:r>
+          </a:p>
+          <a:p>
+            <a:r>
+              <a:rPr lang="es-ES" sz="1200" dirty="0">
+                <a:hlinkClick r:id="rId4"/>
+              </a:rPr>
+              <a:t>Link</a:t>
+            </a:r>
+            <a:endParaRPr lang="es-ES" sz="1200" dirty="0"/>
+          </a:p>
+        </p:txBody>
+      </p:sp>
+      <p:sp>
+        <p:nvSpPr>
+          <p:cNvPr id="7" name="6 CuadroTexto"/>
+          <p:cNvSpPr txBox="1"/>
+          <p:nvPr/>
+        </p:nvSpPr>
+        <p:spPr>
+          <a:xfrm>
+            <a:off x="6527321" y="2792082"/>
+            <a:ext cx="4991579" cy="2000548"/>
+          </a:xfrm>
+          <a:prstGeom prst="rect">
+            <a:avLst/>
+          </a:prstGeom>
+          <a:noFill/>
+        </p:spPr>
+        <p:txBody>
+          <a:bodyPr wrap="square" rtlCol="0">
+            <a:spAutoFit/>
+          </a:bodyPr>
+          <a:lstStyle/>
+          <a:p>
+            <a:r>
+              <a:rPr lang="es-ES" sz="2200" dirty="0">
+                <a:solidFill>
+                  <a:schemeClr val="bg1"/>
+                </a:solidFill>
+                <a:latin typeface="Arial Rounded MT Bold" panose="020F0704030504030204" pitchFamily="34" charset="0"/>
+              </a:rPr>
+              <a:t>YouTube.com</a:t>
+            </a:r>
+          </a:p>
+          <a:p>
+            <a:r>
+              <a:rPr lang="es-ES" sz="1500" dirty="0">
+                <a:solidFill>
+                  <a:schemeClr val="bg1"/>
+                </a:solidFill>
+                <a:latin typeface="Arial Rounded MT Bold" panose="020F0704030504030204" pitchFamily="34" charset="0"/>
+              </a:rPr>
+              <a:t>Curso  impartido en un canal de la plataforma YouTube. Es para un nivel principiante. Los vídeos son de corta duración.</a:t>
+            </a:r>
+            <a:br>
+              <a:rPr lang="es-ES" sz="1500" dirty="0">
+                <a:solidFill>
+                  <a:schemeClr val="bg1"/>
+                </a:solidFill>
+                <a:latin typeface="Arial Rounded MT Bold" panose="020F0704030504030204" pitchFamily="34" charset="0"/>
+              </a:rPr>
+            </a:br>
+            <a:br>
+              <a:rPr lang="es-ES" sz="1500" dirty="0">
+                <a:solidFill>
+                  <a:schemeClr val="bg1"/>
+                </a:solidFill>
+                <a:latin typeface="Arial Rounded MT Bold" panose="020F0704030504030204" pitchFamily="34" charset="0"/>
+              </a:rPr>
+            </a:br>
+            <a:r>
+              <a:rPr lang="es-ES" sz="1500" dirty="0">
+                <a:solidFill>
+                  <a:schemeClr val="bg1"/>
+                </a:solidFill>
+                <a:latin typeface="Arial Rounded MT Bold" panose="020F0704030504030204" pitchFamily="34" charset="0"/>
+              </a:rPr>
+              <a:t>Duración: 5 videos.</a:t>
+            </a:r>
+          </a:p>
+          <a:p>
+            <a:r>
+              <a:rPr lang="es-ES" sz="1500" dirty="0">
+                <a:solidFill>
+                  <a:schemeClr val="bg1"/>
+                </a:solidFill>
+                <a:latin typeface="Arial Rounded MT Bold" panose="020F0704030504030204" pitchFamily="34" charset="0"/>
+              </a:rPr>
+              <a:t>Precio: Gratuito.</a:t>
+            </a:r>
+          </a:p>
+          <a:p>
+            <a:r>
+              <a:rPr lang="es-ES" sz="1200" dirty="0">
+                <a:hlinkClick r:id="rId5"/>
+              </a:rPr>
+              <a:t>Link</a:t>
+            </a:r>
+            <a:endParaRPr lang="es-ES" sz="1200" dirty="0"/>
+          </a:p>
+        </p:txBody>
+      </p:sp>
+    </p:spTree>
+    <p:extLst>
+      <p:ext uri="{BB962C8B-B14F-4D97-AF65-F5344CB8AC3E}">
+        <p14:creationId xmlns:p14="http://schemas.microsoft.com/office/powerpoint/2010/main" val="410969699"/>
+      </p:ext>
+    </p:extLst>
+  </p:cSld>
+  <p:clrMapOvr>
+    <a:masterClrMapping/>
+  </p:clrMapOvr>
+  <mc:AlternateContent xmlns:mc="http://schemas.openxmlformats.org/markup-compatibility/2006">
+    <mc:Choice xmlns:p14="http://schemas.microsoft.com/office/powerpoint/2010/main" Requires="p14">
+      <p:transition spd="med" p14:dur="700">
+        <p:fade/>
+      </p:transition>
+    </mc:Choice>
+    <mc:Fallback>
+      <p:transition spd="med">
+        <p:fade/>
+      </p:transition>
+    </mc:Fallback>
+  </mc:AlternateContent>
+</p:sld>
+</file>
+
+<file path=ppt/slides/slide15.xml><?xml version="1.0" encoding="utf-8"?>
+<p:sld xmlns:a="http://schemas.openxmlformats.org/drawingml/2006/main" xmlns:r="http://schemas.openxmlformats.org/officeDocument/2006/relationships" xmlns:p="http://schemas.openxmlformats.org/presentationml/2006/main">
+  <p:cSld>
+    <p:spTree>
+      <p:nvGrpSpPr>
+        <p:cNvPr id="1" name=""/>
+        <p:cNvGrpSpPr/>
+        <p:nvPr/>
+      </p:nvGrpSpPr>
+      <p:grpSpPr>
+        <a:xfrm>
+          <a:off x="0" y="0"/>
+          <a:ext cx="0" cy="0"/>
+          <a:chOff x="0" y="0"/>
+          <a:chExt cx="0" cy="0"/>
+        </a:xfrm>
+      </p:grpSpPr>
+      <p:sp>
+        <p:nvSpPr>
+          <p:cNvPr id="4" name="Título 3"/>
+          <p:cNvSpPr>
+            <a:spLocks noGrp="1"/>
+          </p:cNvSpPr>
+          <p:nvPr>
+            <p:ph type="title"/>
+          </p:nvPr>
+        </p:nvSpPr>
+        <p:spPr>
+          <a:xfrm>
+            <a:off x="502276" y="826779"/>
+            <a:ext cx="9942490" cy="1507067"/>
+          </a:xfrm>
+        </p:spPr>
+        <p:txBody>
+          <a:bodyPr/>
+          <a:lstStyle/>
+          <a:p>
+            <a:r>
+              <a:rPr lang="es-ES" u="sng" dirty="0">
+                <a:solidFill>
+                  <a:schemeClr val="bg1"/>
+                </a:solidFill>
+                <a:latin typeface="Arial Rounded MT Bold" panose="020F0704030504030204" pitchFamily="34" charset="0"/>
+              </a:rPr>
+              <a:t>5.Fuentes de información (Cursos gratuitos LoadRUNNER)</a:t>
+            </a:r>
+            <a:endParaRPr lang="es-ES" dirty="0"/>
+          </a:p>
+        </p:txBody>
+      </p:sp>
+      <p:pic>
+        <p:nvPicPr>
+          <p:cNvPr id="5" name="Imagen 4"/>
+          <p:cNvPicPr>
+            <a:picLocks noChangeAspect="1"/>
+          </p:cNvPicPr>
+          <p:nvPr/>
+        </p:nvPicPr>
+        <p:blipFill>
+          <a:blip r:embed="rId2">
+            <a:extLst>
+              <a:ext uri="{BEBA8EAE-BF5A-486C-A8C5-ECC9F3942E4B}">
+                <a14:imgProps xmlns:a14="http://schemas.microsoft.com/office/drawing/2010/main">
+                  <a14:imgLayer r:embed="rId3">
+                    <a14:imgEffect>
+                      <a14:brightnessContrast bright="-40000" contrast="20000"/>
+                    </a14:imgEffect>
+                  </a14:imgLayer>
+                </a14:imgProps>
+              </a:ext>
+            </a:extLst>
+          </a:blip>
+          <a:stretch>
+            <a:fillRect/>
+          </a:stretch>
+        </p:blipFill>
+        <p:spPr>
+          <a:xfrm>
+            <a:off x="0" y="0"/>
+            <a:ext cx="2751786" cy="826779"/>
+          </a:xfrm>
+          <a:prstGeom prst="rect">
+            <a:avLst/>
+          </a:prstGeom>
+        </p:spPr>
+      </p:pic>
+      <p:sp>
+        <p:nvSpPr>
+          <p:cNvPr id="6" name="5 CuadroTexto"/>
+          <p:cNvSpPr txBox="1"/>
+          <p:nvPr/>
+        </p:nvSpPr>
+        <p:spPr>
+          <a:xfrm>
+            <a:off x="502276" y="2803584"/>
+            <a:ext cx="4551392" cy="2000548"/>
+          </a:xfrm>
+          <a:prstGeom prst="rect">
+            <a:avLst/>
+          </a:prstGeom>
+          <a:noFill/>
+        </p:spPr>
+        <p:txBody>
+          <a:bodyPr wrap="square" rtlCol="0">
+            <a:spAutoFit/>
+          </a:bodyPr>
+          <a:lstStyle/>
+          <a:p>
+            <a:r>
+              <a:rPr lang="es-ES" sz="2200" dirty="0">
+                <a:solidFill>
+                  <a:schemeClr val="bg1"/>
+                </a:solidFill>
+                <a:latin typeface="Arial Rounded MT Bold" panose="020F0704030504030204" pitchFamily="34" charset="0"/>
+              </a:rPr>
+              <a:t>SoftwareTestingHelp.com</a:t>
+            </a:r>
+          </a:p>
+          <a:p>
+            <a:r>
+              <a:rPr lang="es-ES" sz="1500" dirty="0">
+                <a:solidFill>
+                  <a:schemeClr val="bg1"/>
+                </a:solidFill>
+                <a:latin typeface="Arial Rounded MT Bold" panose="020F0704030504030204" pitchFamily="34" charset="0"/>
+              </a:rPr>
+              <a:t>Curso  muy completo, desde nivel básico a avanzado para aprender a manejar LoadRunner y sus diversas opciones.</a:t>
+            </a:r>
+            <a:br>
+              <a:rPr lang="es-ES" sz="1500" dirty="0">
+                <a:solidFill>
+                  <a:schemeClr val="bg1"/>
+                </a:solidFill>
+                <a:latin typeface="Arial Rounded MT Bold" panose="020F0704030504030204" pitchFamily="34" charset="0"/>
+              </a:rPr>
+            </a:br>
+            <a:br>
+              <a:rPr lang="es-ES" sz="1500" dirty="0">
+                <a:solidFill>
+                  <a:schemeClr val="bg1"/>
+                </a:solidFill>
+                <a:latin typeface="Arial Rounded MT Bold" panose="020F0704030504030204" pitchFamily="34" charset="0"/>
+              </a:rPr>
+            </a:br>
+            <a:r>
+              <a:rPr lang="es-ES" sz="1500" dirty="0">
+                <a:solidFill>
+                  <a:schemeClr val="bg1"/>
+                </a:solidFill>
+                <a:latin typeface="Arial Rounded MT Bold" panose="020F0704030504030204" pitchFamily="34" charset="0"/>
+              </a:rPr>
+              <a:t>Duración: 9 tutoriales.</a:t>
+            </a:r>
+          </a:p>
+          <a:p>
+            <a:r>
+              <a:rPr lang="es-ES" sz="1500" dirty="0">
+                <a:solidFill>
+                  <a:schemeClr val="bg1"/>
+                </a:solidFill>
+                <a:latin typeface="Arial Rounded MT Bold" panose="020F0704030504030204" pitchFamily="34" charset="0"/>
+              </a:rPr>
+              <a:t>Precio: Gratuito.</a:t>
+            </a:r>
+          </a:p>
+          <a:p>
+            <a:r>
+              <a:rPr lang="es-ES" sz="1200" dirty="0">
+                <a:hlinkClick r:id="rId4"/>
+              </a:rPr>
+              <a:t>Link</a:t>
+            </a:r>
+            <a:endParaRPr lang="es-ES" sz="1200" dirty="0"/>
+          </a:p>
+        </p:txBody>
+      </p:sp>
+      <p:sp>
+        <p:nvSpPr>
+          <p:cNvPr id="7" name="6 CuadroTexto"/>
+          <p:cNvSpPr txBox="1"/>
+          <p:nvPr/>
+        </p:nvSpPr>
+        <p:spPr>
+          <a:xfrm>
+            <a:off x="7190597" y="2803584"/>
+            <a:ext cx="4163203" cy="2000548"/>
+          </a:xfrm>
+          <a:prstGeom prst="rect">
+            <a:avLst/>
+          </a:prstGeom>
+          <a:noFill/>
+        </p:spPr>
+        <p:txBody>
+          <a:bodyPr wrap="square" rtlCol="0">
+            <a:spAutoFit/>
+          </a:bodyPr>
+          <a:lstStyle/>
+          <a:p>
+            <a:r>
+              <a:rPr lang="es-ES" sz="2200" dirty="0">
+                <a:solidFill>
+                  <a:schemeClr val="bg1"/>
+                </a:solidFill>
+                <a:latin typeface="Arial Rounded MT Bold" panose="020F0704030504030204" pitchFamily="34" charset="0"/>
+              </a:rPr>
+              <a:t>Guru99.com</a:t>
+            </a:r>
+          </a:p>
+          <a:p>
+            <a:r>
+              <a:rPr lang="es-ES" sz="1500" dirty="0">
+                <a:solidFill>
+                  <a:schemeClr val="bg1"/>
+                </a:solidFill>
+                <a:latin typeface="Arial Rounded MT Bold" panose="020F0704030504030204" pitchFamily="34" charset="0"/>
+              </a:rPr>
+              <a:t>Curso  para un nivel principiante en el que se pueden aprender lo básico para empezar con LoadRunner.</a:t>
+            </a:r>
+            <a:br>
+              <a:rPr lang="es-ES" sz="1500" dirty="0">
+                <a:solidFill>
+                  <a:schemeClr val="bg1"/>
+                </a:solidFill>
+                <a:latin typeface="Arial Rounded MT Bold" panose="020F0704030504030204" pitchFamily="34" charset="0"/>
+              </a:rPr>
+            </a:br>
+            <a:br>
+              <a:rPr lang="es-ES" sz="1500" dirty="0">
+                <a:solidFill>
+                  <a:schemeClr val="bg1"/>
+                </a:solidFill>
+                <a:latin typeface="Arial Rounded MT Bold" panose="020F0704030504030204" pitchFamily="34" charset="0"/>
+              </a:rPr>
+            </a:br>
+            <a:r>
+              <a:rPr lang="es-ES" sz="1500" dirty="0">
+                <a:solidFill>
+                  <a:schemeClr val="bg1"/>
+                </a:solidFill>
+                <a:latin typeface="Arial Rounded MT Bold" panose="020F0704030504030204" pitchFamily="34" charset="0"/>
+              </a:rPr>
+              <a:t>Duración: 7 tutoriales.</a:t>
+            </a:r>
+          </a:p>
+          <a:p>
+            <a:r>
+              <a:rPr lang="es-ES" sz="1500" dirty="0">
+                <a:solidFill>
+                  <a:schemeClr val="bg1"/>
+                </a:solidFill>
+                <a:latin typeface="Arial Rounded MT Bold" panose="020F0704030504030204" pitchFamily="34" charset="0"/>
+              </a:rPr>
+              <a:t>Precio: Gratuito.</a:t>
+            </a:r>
+          </a:p>
+          <a:p>
+            <a:r>
+              <a:rPr lang="es-ES" sz="1200" dirty="0">
+                <a:hlinkClick r:id="rId5"/>
+              </a:rPr>
+              <a:t>Link</a:t>
+            </a:r>
+            <a:endParaRPr lang="es-ES" sz="1200" dirty="0"/>
+          </a:p>
+        </p:txBody>
+      </p:sp>
+    </p:spTree>
+    <p:extLst>
+      <p:ext uri="{BB962C8B-B14F-4D97-AF65-F5344CB8AC3E}">
+        <p14:creationId xmlns:p14="http://schemas.microsoft.com/office/powerpoint/2010/main" val="410969699"/>
+      </p:ext>
+    </p:extLst>
+  </p:cSld>
+  <p:clrMapOvr>
+    <a:masterClrMapping/>
+  </p:clrMapOvr>
+  <mc:AlternateContent xmlns:mc="http://schemas.openxmlformats.org/markup-compatibility/2006">
+    <mc:Choice xmlns:p14="http://schemas.microsoft.com/office/powerpoint/2010/main" Requires="p14">
+      <p:transition spd="med" p14:dur="700">
+        <p:fade/>
+      </p:transition>
+    </mc:Choice>
+    <mc:Fallback>
+      <p:transition spd="med">
+        <p:fade/>
+      </p:transition>
+    </mc:Fallback>
+  </mc:AlternateContent>
+</p:sld>
+</file>
+
+<file path=ppt/slides/slide16.xml><?xml version="1.0" encoding="utf-8"?>
+<p:sld xmlns:a="http://schemas.openxmlformats.org/drawingml/2006/main" xmlns:r="http://schemas.openxmlformats.org/officeDocument/2006/relationships" xmlns:p="http://schemas.openxmlformats.org/presentationml/2006/main">
+  <p:cSld>
+    <p:spTree>
+      <p:nvGrpSpPr>
+        <p:cNvPr id="1" name=""/>
+        <p:cNvGrpSpPr/>
+        <p:nvPr/>
+      </p:nvGrpSpPr>
+      <p:grpSpPr>
+        <a:xfrm>
+          <a:off x="0" y="0"/>
+          <a:ext cx="0" cy="0"/>
+          <a:chOff x="0" y="0"/>
+          <a:chExt cx="0" cy="0"/>
+        </a:xfrm>
+      </p:grpSpPr>
+      <p:sp>
+        <p:nvSpPr>
+          <p:cNvPr id="4" name="Título 3"/>
+          <p:cNvSpPr>
+            <a:spLocks noGrp="1"/>
+          </p:cNvSpPr>
+          <p:nvPr>
+            <p:ph type="title"/>
+          </p:nvPr>
+        </p:nvSpPr>
+        <p:spPr>
+          <a:xfrm>
+            <a:off x="502276" y="826779"/>
+            <a:ext cx="9942490" cy="1507067"/>
+          </a:xfrm>
+        </p:spPr>
+        <p:txBody>
+          <a:bodyPr/>
+          <a:lstStyle/>
+          <a:p>
+            <a:r>
+              <a:rPr lang="es-ES" u="sng" dirty="0">
+                <a:solidFill>
+                  <a:schemeClr val="bg1"/>
+                </a:solidFill>
+                <a:latin typeface="Arial Rounded MT Bold" panose="020F0704030504030204" pitchFamily="34" charset="0"/>
+              </a:rPr>
+              <a:t>6.Ayudas económicas para estudiar las tecnologías</a:t>
+            </a:r>
+            <a:endParaRPr lang="es-ES" dirty="0"/>
+          </a:p>
+        </p:txBody>
+      </p:sp>
+      <p:pic>
+        <p:nvPicPr>
+          <p:cNvPr id="5" name="Imagen 4"/>
+          <p:cNvPicPr>
+            <a:picLocks noChangeAspect="1"/>
+          </p:cNvPicPr>
+          <p:nvPr/>
+        </p:nvPicPr>
+        <p:blipFill>
+          <a:blip r:embed="rId2">
+            <a:extLst>
+              <a:ext uri="{BEBA8EAE-BF5A-486C-A8C5-ECC9F3942E4B}">
+                <a14:imgProps xmlns:a14="http://schemas.microsoft.com/office/drawing/2010/main">
+                  <a14:imgLayer r:embed="rId3">
+                    <a14:imgEffect>
+                      <a14:brightnessContrast bright="-40000" contrast="20000"/>
+                    </a14:imgEffect>
+                  </a14:imgLayer>
+                </a14:imgProps>
+              </a:ext>
+            </a:extLst>
+          </a:blip>
+          <a:stretch>
+            <a:fillRect/>
+          </a:stretch>
+        </p:blipFill>
+        <p:spPr>
+          <a:xfrm>
+            <a:off x="0" y="0"/>
+            <a:ext cx="2751786" cy="826779"/>
+          </a:xfrm>
+          <a:prstGeom prst="rect">
+            <a:avLst/>
+          </a:prstGeom>
+        </p:spPr>
+      </p:pic>
+    </p:spTree>
+    <p:extLst>
+      <p:ext uri="{BB962C8B-B14F-4D97-AF65-F5344CB8AC3E}">
+        <p14:creationId xmlns:p14="http://schemas.microsoft.com/office/powerpoint/2010/main" val="410969699"/>
+      </p:ext>
+    </p:extLst>
+  </p:cSld>
+  <p:clrMapOvr>
+    <a:masterClrMapping/>
+  </p:clrMapOvr>
+  <mc:AlternateContent xmlns:mc="http://schemas.openxmlformats.org/markup-compatibility/2006">
+    <mc:Choice xmlns:p14="http://schemas.microsoft.com/office/powerpoint/2010/main" Requires="p14">
+      <p:transition spd="med" p14:dur="700">
+        <p:fade/>
+      </p:transition>
+    </mc:Choice>
+    <mc:Fallback>
+      <p:transition spd="med">
+        <p:fade/>
+      </p:transition>
+    </mc:Fallback>
+  </mc:AlternateContent>
+</p:sld>
+</file>
+
+<file path=ppt/slides/slide17.xml><?xml version="1.0" encoding="utf-8"?>
 <p:sld xmlns:a="http://schemas.openxmlformats.org/drawingml/2006/main" xmlns:r="http://schemas.openxmlformats.org/officeDocument/2006/relationships" xmlns:p="http://schemas.openxmlformats.org/presentationml/2006/main">
   <p:cSld>
     <p:spTree>
@@ -6570,10 +7613,22 @@
   <p:clrMapOvr>
     <a:masterClrMapping/>
   </p:clrMapOvr>
+  <mc:AlternateContent xmlns:mc="http://schemas.openxmlformats.org/markup-compatibility/2006">
+    <mc:Choice xmlns:p14="http://schemas.microsoft.com/office/powerpoint/2010/main" Requires="p14">
+      <p:transition spd="med" p14:dur="700">
+        <p:fade/>
+      </p:transition>
+    </mc:Choice>
+    <mc:Fallback>
+      <p:transition spd="med">
+        <p:fade/>
+      </p:transition>
+    </mc:Fallback>
+  </mc:AlternateContent>
 </p:sld>
 </file>
 
-<file path=ppt/slides/slide14.xml><?xml version="1.0" encoding="utf-8"?>
+<file path=ppt/slides/slide18.xml><?xml version="1.0" encoding="utf-8"?>
 <p:sld xmlns:a="http://schemas.openxmlformats.org/drawingml/2006/main" xmlns:r="http://schemas.openxmlformats.org/officeDocument/2006/relationships" xmlns:p="http://schemas.openxmlformats.org/presentationml/2006/main">
   <p:cSld>
     <p:bg>
@@ -6614,7 +7669,7 @@
           <p:nvPr>
             <p:extLst>
               <p:ext uri="{D42A27DB-BD31-4B8C-83A1-F6EECF244321}">
-                <p14:modId xmlns:p14="http://schemas.microsoft.com/office/powerpoint/2010/main" val="1902718740"/>
+                <p14:modId xmlns:p14="http://schemas.microsoft.com/office/powerpoint/2010/main" val="963695820"/>
               </p:ext>
             </p:extLst>
           </p:nvPr>
@@ -6633,28 +7688,28 @@
                 <a:gridCol w="2395470">
                   <a:extLst>
                     <a:ext uri="{9D8B030D-6E8A-4147-A177-3AD203B41FA5}">
-                      <a16:colId xmlns:a16="http://schemas.microsoft.com/office/drawing/2014/main" xmlns="" val="3190198918"/>
+                      <a16:colId xmlns:a16="http://schemas.microsoft.com/office/drawing/2014/main" val="3190198918"/>
                     </a:ext>
                   </a:extLst>
                 </a:gridCol>
                 <a:gridCol w="3700529">
                   <a:extLst>
                     <a:ext uri="{9D8B030D-6E8A-4147-A177-3AD203B41FA5}">
-                      <a16:colId xmlns:a16="http://schemas.microsoft.com/office/drawing/2014/main" xmlns="" val="1244010279"/>
+                      <a16:colId xmlns:a16="http://schemas.microsoft.com/office/drawing/2014/main" val="1244010279"/>
                     </a:ext>
                   </a:extLst>
                 </a:gridCol>
                 <a:gridCol w="3048000">
                   <a:extLst>
                     <a:ext uri="{9D8B030D-6E8A-4147-A177-3AD203B41FA5}">
-                      <a16:colId xmlns:a16="http://schemas.microsoft.com/office/drawing/2014/main" xmlns="" val="2028552586"/>
+                      <a16:colId xmlns:a16="http://schemas.microsoft.com/office/drawing/2014/main" val="2028552586"/>
                     </a:ext>
                   </a:extLst>
                 </a:gridCol>
                 <a:gridCol w="3048000">
                   <a:extLst>
                     <a:ext uri="{9D8B030D-6E8A-4147-A177-3AD203B41FA5}">
-                      <a16:colId xmlns:a16="http://schemas.microsoft.com/office/drawing/2014/main" xmlns="" val="4058853309"/>
+                      <a16:colId xmlns:a16="http://schemas.microsoft.com/office/drawing/2014/main" val="4058853309"/>
                     </a:ext>
                   </a:extLst>
                 </a:gridCol>
@@ -6849,7 +7904,7 @@
                 </a:tc>
                 <a:extLst>
                   <a:ext uri="{0D108BD9-81ED-4DB2-BD59-A6C34878D82A}">
-                    <a16:rowId xmlns:a16="http://schemas.microsoft.com/office/drawing/2014/main" xmlns="" val="3008472746"/>
+                    <a16:rowId xmlns:a16="http://schemas.microsoft.com/office/drawing/2014/main" val="3008472746"/>
                   </a:ext>
                 </a:extLst>
               </a:tr>
@@ -7011,7 +8066,7 @@
                         </a:spcAft>
                       </a:pPr>
                       <a:r>
-                        <a:rPr lang="es-ES" sz="1500" b="1">
+                        <a:rPr lang="es-ES" sz="1500" b="1" dirty="0">
                           <a:solidFill>
                             <a:schemeClr val="bg1"/>
                           </a:solidFill>
@@ -7019,7 +8074,7 @@
                         </a:rPr>
                         <a:t>Ilimitada</a:t>
                       </a:r>
-                      <a:endParaRPr lang="es-ES" sz="1500" b="1">
+                      <a:endParaRPr lang="es-ES" sz="1500" b="1" dirty="0">
                         <a:solidFill>
                           <a:schemeClr val="bg1"/>
                         </a:solidFill>
@@ -7034,7 +8089,7 @@
                 </a:tc>
                 <a:extLst>
                   <a:ext uri="{0D108BD9-81ED-4DB2-BD59-A6C34878D82A}">
-                    <a16:rowId xmlns:a16="http://schemas.microsoft.com/office/drawing/2014/main" xmlns="" val="438803854"/>
+                    <a16:rowId xmlns:a16="http://schemas.microsoft.com/office/drawing/2014/main" val="438803854"/>
                   </a:ext>
                 </a:extLst>
               </a:tr>
@@ -7146,9 +8201,7 @@
                       <a:tailEnd type="none" w="med" len="med"/>
                     </a:lnL>
                     <a:solidFill>
-                      <a:srgbClr val="FFFF00">
-                        <a:alpha val="12157"/>
-                      </a:srgbClr>
+                      <a:srgbClr val="FFFF7D"/>
                     </a:solidFill>
                   </a:tcPr>
                 </a:tc>
@@ -7187,9 +8240,7 @@
                   </a:txBody>
                   <a:tcPr marL="27246" marR="27246" marT="0" marB="0" anchor="ctr">
                     <a:solidFill>
-                      <a:srgbClr val="FFFF00">
-                        <a:alpha val="12157"/>
-                      </a:srgbClr>
+                      <a:srgbClr val="FFFF7D"/>
                     </a:solidFill>
                   </a:tcPr>
                 </a:tc>
@@ -7228,15 +8279,13 @@
                   </a:txBody>
                   <a:tcPr marL="27246" marR="27246" marT="0" marB="0" anchor="ctr">
                     <a:solidFill>
-                      <a:srgbClr val="FFFF00">
-                        <a:alpha val="12157"/>
-                      </a:srgbClr>
+                      <a:srgbClr val="FFFF7D"/>
                     </a:solidFill>
                   </a:tcPr>
                 </a:tc>
                 <a:extLst>
                   <a:ext uri="{0D108BD9-81ED-4DB2-BD59-A6C34878D82A}">
-                    <a16:rowId xmlns:a16="http://schemas.microsoft.com/office/drawing/2014/main" xmlns="" val="838188870"/>
+                    <a16:rowId xmlns:a16="http://schemas.microsoft.com/office/drawing/2014/main" val="838188870"/>
                   </a:ext>
                 </a:extLst>
               </a:tr>
@@ -7347,9 +8396,7 @@
                       <a:headEnd type="none" w="med" len="med"/>
                       <a:tailEnd type="none" w="med" len="med"/>
                     </a:lnL>
-                    <a:solidFill>
-                      <a:srgbClr val="FFFF7D"/>
-                    </a:solidFill>
+                    <a:noFill/>
                   </a:tcPr>
                 </a:tc>
                 <a:tc>
@@ -7386,9 +8433,7 @@
                     </a:p>
                   </a:txBody>
                   <a:tcPr marL="27246" marR="27246" marT="0" marB="0" anchor="ctr">
-                    <a:solidFill>
-                      <a:srgbClr val="FFFF7D"/>
-                    </a:solidFill>
+                    <a:noFill/>
                   </a:tcPr>
                 </a:tc>
                 <a:tc>
@@ -7425,14 +8470,12 @@
                     </a:p>
                   </a:txBody>
                   <a:tcPr marL="27246" marR="27246" marT="0" marB="0" anchor="ctr">
-                    <a:solidFill>
-                      <a:srgbClr val="FFFF7D"/>
-                    </a:solidFill>
+                    <a:noFill/>
                   </a:tcPr>
                 </a:tc>
                 <a:extLst>
                   <a:ext uri="{0D108BD9-81ED-4DB2-BD59-A6C34878D82A}">
-                    <a16:rowId xmlns:a16="http://schemas.microsoft.com/office/drawing/2014/main" xmlns="" val="2427783629"/>
+                    <a16:rowId xmlns:a16="http://schemas.microsoft.com/office/drawing/2014/main" val="2427783629"/>
                   </a:ext>
                 </a:extLst>
               </a:tr>
@@ -7595,7 +8638,7 @@
                         </a:spcAft>
                       </a:pPr>
                       <a:r>
-                        <a:rPr lang="es-ES" sz="1500" b="1">
+                        <a:rPr lang="es-ES" sz="1500" b="1" dirty="0">
                           <a:solidFill>
                             <a:schemeClr val="bg1"/>
                           </a:solidFill>
@@ -7603,7 +8646,7 @@
                         </a:rPr>
                         <a:t>Incluido-ilimitados</a:t>
                       </a:r>
-                      <a:endParaRPr lang="es-ES" sz="1500" b="1">
+                      <a:endParaRPr lang="es-ES" sz="1500" b="1" dirty="0">
                         <a:solidFill>
                           <a:schemeClr val="bg1"/>
                         </a:solidFill>
@@ -7618,7 +8661,7 @@
                 </a:tc>
                 <a:extLst>
                   <a:ext uri="{0D108BD9-81ED-4DB2-BD59-A6C34878D82A}">
-                    <a16:rowId xmlns:a16="http://schemas.microsoft.com/office/drawing/2014/main" xmlns="" val="751223954"/>
+                    <a16:rowId xmlns:a16="http://schemas.microsoft.com/office/drawing/2014/main" val="751223954"/>
                   </a:ext>
                 </a:extLst>
               </a:tr>
@@ -7780,7 +8823,7 @@
                         </a:spcAft>
                       </a:pPr>
                       <a:r>
-                        <a:rPr lang="es-ES" sz="1500" b="1">
+                        <a:rPr lang="es-ES" sz="1500" b="1" dirty="0">
                           <a:solidFill>
                             <a:schemeClr val="bg1"/>
                           </a:solidFill>
@@ -7788,7 +8831,7 @@
                         </a:rPr>
                         <a:t>Incluido-ilimitados</a:t>
                       </a:r>
-                      <a:endParaRPr lang="es-ES" sz="1500" b="1">
+                      <a:endParaRPr lang="es-ES" sz="1500" b="1" dirty="0">
                         <a:solidFill>
                           <a:schemeClr val="bg1"/>
                         </a:solidFill>
@@ -7803,7 +8846,7 @@
                 </a:tc>
                 <a:extLst>
                   <a:ext uri="{0D108BD9-81ED-4DB2-BD59-A6C34878D82A}">
-                    <a16:rowId xmlns:a16="http://schemas.microsoft.com/office/drawing/2014/main" xmlns="" val="4279849495"/>
+                    <a16:rowId xmlns:a16="http://schemas.microsoft.com/office/drawing/2014/main" val="4279849495"/>
                   </a:ext>
                 </a:extLst>
               </a:tr>
@@ -7988,7 +9031,7 @@
                 </a:tc>
                 <a:extLst>
                   <a:ext uri="{0D108BD9-81ED-4DB2-BD59-A6C34878D82A}">
-                    <a16:rowId xmlns:a16="http://schemas.microsoft.com/office/drawing/2014/main" xmlns="" val="2089243611"/>
+                    <a16:rowId xmlns:a16="http://schemas.microsoft.com/office/drawing/2014/main" val="2089243611"/>
                   </a:ext>
                 </a:extLst>
               </a:tr>
@@ -8150,7 +9193,7 @@
                         </a:spcAft>
                       </a:pPr>
                       <a:r>
-                        <a:rPr lang="es-ES" sz="1500" b="1">
+                        <a:rPr lang="es-ES" sz="1500" b="1" dirty="0">
                           <a:solidFill>
                             <a:schemeClr val="bg1"/>
                           </a:solidFill>
@@ -8158,7 +9201,7 @@
                         </a:rPr>
                         <a:t>Incluido</a:t>
                       </a:r>
-                      <a:endParaRPr lang="es-ES" sz="1500" b="1">
+                      <a:endParaRPr lang="es-ES" sz="1500" b="1" dirty="0">
                         <a:solidFill>
                           <a:schemeClr val="bg1"/>
                         </a:solidFill>
@@ -8173,7 +9216,7 @@
                 </a:tc>
                 <a:extLst>
                   <a:ext uri="{0D108BD9-81ED-4DB2-BD59-A6C34878D82A}">
-                    <a16:rowId xmlns:a16="http://schemas.microsoft.com/office/drawing/2014/main" xmlns="" val="765140017"/>
+                    <a16:rowId xmlns:a16="http://schemas.microsoft.com/office/drawing/2014/main" val="765140017"/>
                   </a:ext>
                 </a:extLst>
               </a:tr>
@@ -8335,7 +9378,7 @@
                         </a:spcAft>
                       </a:pPr>
                       <a:r>
-                        <a:rPr lang="es-ES" sz="1500" b="1">
+                        <a:rPr lang="es-ES" sz="1500" b="1" dirty="0">
                           <a:solidFill>
                             <a:schemeClr val="bg1"/>
                           </a:solidFill>
@@ -8343,7 +9386,7 @@
                         </a:rPr>
                         <a:t>Todo incluido</a:t>
                       </a:r>
-                      <a:endParaRPr lang="es-ES" sz="1500" b="1">
+                      <a:endParaRPr lang="es-ES" sz="1500" b="1" dirty="0">
                         <a:solidFill>
                           <a:schemeClr val="bg1"/>
                         </a:solidFill>
@@ -8358,7 +9401,7 @@
                 </a:tc>
                 <a:extLst>
                   <a:ext uri="{0D108BD9-81ED-4DB2-BD59-A6C34878D82A}">
-                    <a16:rowId xmlns:a16="http://schemas.microsoft.com/office/drawing/2014/main" xmlns="" val="3438221738"/>
+                    <a16:rowId xmlns:a16="http://schemas.microsoft.com/office/drawing/2014/main" val="3438221738"/>
                   </a:ext>
                 </a:extLst>
               </a:tr>
@@ -8543,7 +9586,7 @@
                 </a:tc>
                 <a:extLst>
                   <a:ext uri="{0D108BD9-81ED-4DB2-BD59-A6C34878D82A}">
-                    <a16:rowId xmlns:a16="http://schemas.microsoft.com/office/drawing/2014/main" xmlns="" val="3053021126"/>
+                    <a16:rowId xmlns:a16="http://schemas.microsoft.com/office/drawing/2014/main" val="3053021126"/>
                   </a:ext>
                 </a:extLst>
               </a:tr>
@@ -8728,7 +9771,7 @@
                 </a:tc>
                 <a:extLst>
                   <a:ext uri="{0D108BD9-81ED-4DB2-BD59-A6C34878D82A}">
-                    <a16:rowId xmlns:a16="http://schemas.microsoft.com/office/drawing/2014/main" xmlns="" val="1627215838"/>
+                    <a16:rowId xmlns:a16="http://schemas.microsoft.com/office/drawing/2014/main" val="1627215838"/>
                   </a:ext>
                 </a:extLst>
               </a:tr>
@@ -8913,7 +9956,7 @@
                 </a:tc>
                 <a:extLst>
                   <a:ext uri="{0D108BD9-81ED-4DB2-BD59-A6C34878D82A}">
-                    <a16:rowId xmlns:a16="http://schemas.microsoft.com/office/drawing/2014/main" xmlns="" val="832798359"/>
+                    <a16:rowId xmlns:a16="http://schemas.microsoft.com/office/drawing/2014/main" val="832798359"/>
                   </a:ext>
                 </a:extLst>
               </a:tr>
@@ -8997,7 +10040,7 @@
                         </a:spcAft>
                       </a:pPr>
                       <a:r>
-                        <a:rPr lang="es-ES" sz="1500" b="1">
+                        <a:rPr lang="es-ES" sz="1500" b="1" dirty="0">
                           <a:solidFill>
                             <a:schemeClr val="bg1"/>
                           </a:solidFill>
@@ -9005,7 +10048,7 @@
                         </a:rPr>
                         <a:t>Todo incluido </a:t>
                       </a:r>
-                      <a:endParaRPr lang="es-ES" sz="1500" b="1">
+                      <a:endParaRPr lang="es-ES" sz="1500" b="1" dirty="0">
                         <a:solidFill>
                           <a:schemeClr val="bg1"/>
                         </a:solidFill>
@@ -9098,7 +10141,7 @@
                 </a:tc>
                 <a:extLst>
                   <a:ext uri="{0D108BD9-81ED-4DB2-BD59-A6C34878D82A}">
-                    <a16:rowId xmlns:a16="http://schemas.microsoft.com/office/drawing/2014/main" xmlns="" val="105876357"/>
+                    <a16:rowId xmlns:a16="http://schemas.microsoft.com/office/drawing/2014/main" val="105876357"/>
                   </a:ext>
                 </a:extLst>
               </a:tr>
@@ -9267,22 +10310,13 @@
                         </a:spcAft>
                       </a:pPr>
                       <a:r>
-                        <a:rPr lang="es-ES" sz="1500" b="1" dirty="0" err="1">
-                          <a:solidFill>
-                            <a:schemeClr val="bg1"/>
-                          </a:solidFill>
-                          <a:effectLst/>
-                        </a:rPr>
-                        <a:t>Telefono</a:t>
-                      </a:r>
-                      <a:r>
                         <a:rPr lang="es-ES" sz="1500" b="1" dirty="0">
                           <a:solidFill>
                             <a:schemeClr val="bg1"/>
                           </a:solidFill>
                           <a:effectLst/>
                         </a:rPr>
-                        <a:t>/email/chat/web</a:t>
+                        <a:t>Teléfono/email/chat/web</a:t>
                       </a:r>
                       <a:endParaRPr lang="es-ES" sz="1500" b="1" dirty="0">
                         <a:solidFill>
@@ -9303,7 +10337,7 @@
                 </a:tc>
                 <a:extLst>
                   <a:ext uri="{0D108BD9-81ED-4DB2-BD59-A6C34878D82A}">
-                    <a16:rowId xmlns:a16="http://schemas.microsoft.com/office/drawing/2014/main" xmlns="" val="303474436"/>
+                    <a16:rowId xmlns:a16="http://schemas.microsoft.com/office/drawing/2014/main" val="303474436"/>
                   </a:ext>
                 </a:extLst>
               </a:tr>
@@ -9499,7 +10533,7 @@
                 </a:tc>
                 <a:extLst>
                   <a:ext uri="{0D108BD9-81ED-4DB2-BD59-A6C34878D82A}">
-                    <a16:rowId xmlns:a16="http://schemas.microsoft.com/office/drawing/2014/main" xmlns="" val="2470589729"/>
+                    <a16:rowId xmlns:a16="http://schemas.microsoft.com/office/drawing/2014/main" val="2470589729"/>
                   </a:ext>
                 </a:extLst>
               </a:tr>
@@ -9517,10 +10551,22 @@
   <p:clrMapOvr>
     <a:masterClrMapping/>
   </p:clrMapOvr>
+  <mc:AlternateContent xmlns:mc="http://schemas.openxmlformats.org/markup-compatibility/2006">
+    <mc:Choice xmlns:p14="http://schemas.microsoft.com/office/powerpoint/2010/main" Requires="p14">
+      <p:transition spd="med" p14:dur="700">
+        <p:fade/>
+      </p:transition>
+    </mc:Choice>
+    <mc:Fallback>
+      <p:transition spd="med">
+        <p:fade/>
+      </p:transition>
+    </mc:Fallback>
+  </mc:AlternateContent>
 </p:sld>
 </file>
 
-<file path=ppt/slides/slide15.xml><?xml version="1.0" encoding="utf-8"?>
+<file path=ppt/slides/slide19.xml><?xml version="1.0" encoding="utf-8"?>
 <p:sld xmlns:a="http://schemas.openxmlformats.org/drawingml/2006/main" xmlns:r="http://schemas.openxmlformats.org/officeDocument/2006/relationships" xmlns:p="http://schemas.openxmlformats.org/presentationml/2006/main">
   <p:cSld>
     <p:bg>
@@ -9734,25 +10780,7 @@
                 </a:solidFill>
                 <a:latin typeface="Arial Rounded MT Bold" panose="020F0704030504030204" pitchFamily="34" charset="0"/>
               </a:rPr>
-              <a:t>Pago por uso de UV (0,58€/UV-</a:t>
-            </a:r>
-            <a:r>
-              <a:rPr lang="es-ES" sz="2000" dirty="0" err="1">
-                <a:solidFill>
-                  <a:schemeClr val="bg1"/>
-                </a:solidFill>
-                <a:latin typeface="Arial Rounded MT Bold" panose="020F0704030504030204" pitchFamily="34" charset="0"/>
-              </a:rPr>
-              <a:t>dia</a:t>
-            </a:r>
-            <a:r>
-              <a:rPr lang="es-ES" sz="2000" dirty="0">
-                <a:solidFill>
-                  <a:schemeClr val="bg1"/>
-                </a:solidFill>
-                <a:latin typeface="Arial Rounded MT Bold" panose="020F0704030504030204" pitchFamily="34" charset="0"/>
-              </a:rPr>
-              <a:t>)</a:t>
+              <a:t>Pago por uso de UV (0,58€/UV-día)</a:t>
             </a:r>
           </a:p>
           <a:p>
@@ -9798,22 +10826,13 @@
               <a:buChar char="•"/>
             </a:pPr>
             <a:r>
-              <a:rPr lang="es-ES" sz="2000" dirty="0" err="1">
+              <a:rPr lang="es-ES" sz="2000" dirty="0">
                 <a:solidFill>
                   <a:schemeClr val="bg1"/>
                 </a:solidFill>
                 <a:latin typeface="Arial Rounded MT Bold" panose="020F0704030504030204" pitchFamily="34" charset="0"/>
               </a:rPr>
-              <a:t>On-Demand</a:t>
-            </a:r>
-            <a:r>
-              <a:rPr lang="es-ES" sz="2000" dirty="0">
-                <a:solidFill>
-                  <a:schemeClr val="bg1"/>
-                </a:solidFill>
-                <a:latin typeface="Arial Rounded MT Bold" panose="020F0704030504030204" pitchFamily="34" charset="0"/>
-              </a:rPr>
-              <a:t> </a:t>
+              <a:t>On-Demand </a:t>
             </a:r>
           </a:p>
           <a:p>
@@ -9849,25 +10868,7 @@
                 </a:solidFill>
                 <a:latin typeface="Arial Rounded MT Bold" panose="020F0704030504030204" pitchFamily="34" charset="0"/>
               </a:rPr>
-              <a:t>Microsoft </a:t>
-            </a:r>
-            <a:r>
-              <a:rPr lang="es-ES" sz="2000" dirty="0" err="1">
-                <a:solidFill>
-                  <a:schemeClr val="bg1"/>
-                </a:solidFill>
-                <a:latin typeface="Arial Rounded MT Bold" panose="020F0704030504030204" pitchFamily="34" charset="0"/>
-              </a:rPr>
-              <a:t>Azure</a:t>
-            </a:r>
-            <a:r>
-              <a:rPr lang="es-ES" sz="2000" dirty="0">
-                <a:solidFill>
-                  <a:schemeClr val="bg1"/>
-                </a:solidFill>
-                <a:latin typeface="Arial Rounded MT Bold" panose="020F0704030504030204" pitchFamily="34" charset="0"/>
-              </a:rPr>
-              <a:t> (220-260€/mes)</a:t>
+              <a:t>Microsoft Azure (220-260€/mes)</a:t>
             </a:r>
           </a:p>
           <a:p>
@@ -9879,40 +10880,13 @@
               <a:buChar char="•"/>
             </a:pPr>
             <a:r>
-              <a:rPr lang="es-ES" sz="2000" dirty="0" err="1">
+              <a:rPr lang="es-ES" sz="2000" dirty="0">
                 <a:solidFill>
                   <a:schemeClr val="bg1"/>
                 </a:solidFill>
                 <a:latin typeface="Arial Rounded MT Bold" panose="020F0704030504030204" pitchFamily="34" charset="0"/>
               </a:rPr>
-              <a:t>Partners</a:t>
-            </a:r>
-            <a:r>
-              <a:rPr lang="es-ES" sz="2000" dirty="0">
-                <a:solidFill>
-                  <a:schemeClr val="bg1"/>
-                </a:solidFill>
-                <a:latin typeface="Arial Rounded MT Bold" panose="020F0704030504030204" pitchFamily="34" charset="0"/>
-              </a:rPr>
-              <a:t> HP (España- </a:t>
-            </a:r>
-            <a:r>
-              <a:rPr lang="es-ES" sz="2000" dirty="0" err="1">
-                <a:solidFill>
-                  <a:schemeClr val="bg1"/>
-                </a:solidFill>
-                <a:latin typeface="Arial Rounded MT Bold" panose="020F0704030504030204" pitchFamily="34" charset="0"/>
-              </a:rPr>
-              <a:t>Oneris</a:t>
-            </a:r>
-            <a:r>
-              <a:rPr lang="es-ES" sz="2000" dirty="0">
-                <a:solidFill>
-                  <a:schemeClr val="bg1"/>
-                </a:solidFill>
-                <a:latin typeface="Arial Rounded MT Bold" panose="020F0704030504030204" pitchFamily="34" charset="0"/>
-              </a:rPr>
-              <a:t>)	</a:t>
+              <a:t>Partners HP (España- Oneris)	</a:t>
             </a:r>
           </a:p>
         </p:txBody>
@@ -9927,6 +10901,18 @@
   <p:clrMapOvr>
     <a:masterClrMapping/>
   </p:clrMapOvr>
+  <mc:AlternateContent xmlns:mc="http://schemas.openxmlformats.org/markup-compatibility/2006">
+    <mc:Choice xmlns:p14="http://schemas.microsoft.com/office/powerpoint/2010/main" Requires="p14">
+      <p:transition spd="med" p14:dur="700">
+        <p:fade/>
+      </p:transition>
+    </mc:Choice>
+    <mc:Fallback>
+      <p:transition spd="med">
+        <p:fade/>
+      </p:transition>
+    </mc:Fallback>
+  </mc:AlternateContent>
   <p:timing>
     <p:tnLst>
       <p:par>
@@ -10338,6 +11324,18 @@
   <p:clrMapOvr>
     <a:overrideClrMapping bg1="dk1" tx1="lt1" bg2="dk2" tx2="lt2" accent1="accent1" accent2="accent2" accent3="accent3" accent4="accent4" accent5="accent5" accent6="accent6" hlink="hlink" folHlink="folHlink"/>
   </p:clrMapOvr>
+  <mc:AlternateContent xmlns:mc="http://schemas.openxmlformats.org/markup-compatibility/2006">
+    <mc:Choice xmlns:p14="http://schemas.microsoft.com/office/powerpoint/2010/main" Requires="p14">
+      <p:transition spd="med" p14:dur="700">
+        <p:fade/>
+      </p:transition>
+    </mc:Choice>
+    <mc:Fallback>
+      <p:transition spd="med">
+        <p:fade/>
+      </p:transition>
+    </mc:Fallback>
+  </mc:AlternateContent>
 </p:sld>
 </file>
 
@@ -10481,23 +11479,8 @@
                 </a:solidFill>
                 <a:latin typeface="Arial Rounded MT Bold" panose="020F0704030504030204" pitchFamily="34" charset="0"/>
               </a:rPr>
-              <a:t>Sandra </a:t>
-            </a:r>
-            <a:r>
-              <a:rPr lang="es-ES" sz="2500" dirty="0" err="1">
-                <a:solidFill>
-                  <a:schemeClr val="bg1"/>
-                </a:solidFill>
-                <a:latin typeface="Arial Rounded MT Bold" panose="020F0704030504030204" pitchFamily="34" charset="0"/>
-              </a:rPr>
-              <a:t>Antoral</a:t>
-            </a:r>
-            <a:endParaRPr lang="es-ES" sz="2500" dirty="0">
-              <a:solidFill>
-                <a:schemeClr val="bg1"/>
-              </a:solidFill>
-              <a:latin typeface="Arial Rounded MT Bold" panose="020F0704030504030204" pitchFamily="34" charset="0"/>
-            </a:endParaRPr>
+              <a:t>Sandra Antoral</a:t>
+            </a:r>
           </a:p>
           <a:p>
             <a:pPr marL="285750" indent="-285750">
@@ -10508,56 +11491,14 @@
               <a:buChar char="•"/>
             </a:pPr>
             <a:r>
-              <a:rPr lang="es-ES" sz="2500" dirty="0" err="1">
+              <a:rPr lang="es-ES" sz="2500" dirty="0">
                 <a:solidFill>
                   <a:schemeClr val="bg1"/>
                 </a:solidFill>
                 <a:latin typeface="Arial Rounded MT Bold" panose="020F0704030504030204" pitchFamily="34" charset="0"/>
               </a:rPr>
-              <a:t>Bogdan</a:t>
-            </a:r>
-            <a:r>
-              <a:rPr lang="es-ES" sz="2500" dirty="0">
-                <a:solidFill>
-                  <a:schemeClr val="bg1"/>
-                </a:solidFill>
-                <a:latin typeface="Arial Rounded MT Bold" panose="020F0704030504030204" pitchFamily="34" charset="0"/>
-              </a:rPr>
-              <a:t> </a:t>
-            </a:r>
-            <a:r>
-              <a:rPr lang="es-ES" sz="2500" dirty="0" err="1">
-                <a:solidFill>
-                  <a:schemeClr val="bg1"/>
-                </a:solidFill>
-                <a:latin typeface="Arial Rounded MT Bold" panose="020F0704030504030204" pitchFamily="34" charset="0"/>
-              </a:rPr>
-              <a:t>Ionut</a:t>
-            </a:r>
-            <a:r>
-              <a:rPr lang="es-ES" sz="2500" dirty="0">
-                <a:solidFill>
-                  <a:schemeClr val="bg1"/>
-                </a:solidFill>
-                <a:latin typeface="Arial Rounded MT Bold" panose="020F0704030504030204" pitchFamily="34" charset="0"/>
-              </a:rPr>
-              <a:t> </a:t>
-            </a:r>
-            <a:r>
-              <a:rPr lang="es-ES" sz="2500" dirty="0" err="1">
-                <a:solidFill>
-                  <a:schemeClr val="bg1"/>
-                </a:solidFill>
-                <a:latin typeface="Arial Rounded MT Bold" panose="020F0704030504030204" pitchFamily="34" charset="0"/>
-              </a:rPr>
-              <a:t>Ciobanu</a:t>
-            </a:r>
-            <a:endParaRPr lang="es-ES" sz="2500" dirty="0">
-              <a:solidFill>
-                <a:schemeClr val="bg1"/>
-              </a:solidFill>
-              <a:latin typeface="Arial Rounded MT Bold" panose="020F0704030504030204" pitchFamily="34" charset="0"/>
-            </a:endParaRPr>
+              <a:t>Bogdan Ionut Ciobanu</a:t>
+            </a:r>
           </a:p>
         </p:txBody>
       </p:sp>
@@ -10571,6 +11512,18 @@
   <p:clrMapOvr>
     <a:masterClrMapping/>
   </p:clrMapOvr>
+  <mc:AlternateContent xmlns:mc="http://schemas.openxmlformats.org/markup-compatibility/2006">
+    <mc:Choice xmlns:p14="http://schemas.microsoft.com/office/powerpoint/2010/main" Requires="p14">
+      <p:transition spd="med" p14:dur="700">
+        <p:fade/>
+      </p:transition>
+    </mc:Choice>
+    <mc:Fallback>
+      <p:transition spd="med">
+        <p:fade/>
+      </p:transition>
+    </mc:Fallback>
+  </mc:AlternateContent>
   <p:timing>
     <p:tnLst>
       <p:par>
@@ -10800,23 +11753,8 @@
                 </a:solidFill>
                 <a:latin typeface="Arial Rounded MT Bold" panose="020F0704030504030204" pitchFamily="34" charset="0"/>
               </a:rPr>
-              <a:t>Sandra </a:t>
-            </a:r>
-            <a:r>
-              <a:rPr lang="es-ES" sz="2500" dirty="0" err="1">
-                <a:solidFill>
-                  <a:schemeClr val="bg1"/>
-                </a:solidFill>
-                <a:latin typeface="Arial Rounded MT Bold" panose="020F0704030504030204" pitchFamily="34" charset="0"/>
-              </a:rPr>
-              <a:t>Antoral</a:t>
-            </a:r>
-            <a:endParaRPr lang="es-ES" sz="2500" dirty="0">
-              <a:solidFill>
-                <a:schemeClr val="bg1"/>
-              </a:solidFill>
-              <a:latin typeface="Arial Rounded MT Bold" panose="020F0704030504030204" pitchFamily="34" charset="0"/>
-            </a:endParaRPr>
+              <a:t>Sandra Antoral</a:t>
+            </a:r>
           </a:p>
           <a:p>
             <a:pPr marL="285750" indent="-285750">
@@ -10827,56 +11765,14 @@
               <a:buChar char="•"/>
             </a:pPr>
             <a:r>
-              <a:rPr lang="es-ES" sz="2500" dirty="0" err="1">
+              <a:rPr lang="es-ES" sz="2500" dirty="0">
                 <a:solidFill>
                   <a:schemeClr val="bg1"/>
                 </a:solidFill>
                 <a:latin typeface="Arial Rounded MT Bold" panose="020F0704030504030204" pitchFamily="34" charset="0"/>
               </a:rPr>
-              <a:t>Bogdan</a:t>
-            </a:r>
-            <a:r>
-              <a:rPr lang="es-ES" sz="2500" dirty="0">
-                <a:solidFill>
-                  <a:schemeClr val="bg1"/>
-                </a:solidFill>
-                <a:latin typeface="Arial Rounded MT Bold" panose="020F0704030504030204" pitchFamily="34" charset="0"/>
-              </a:rPr>
-              <a:t> </a:t>
-            </a:r>
-            <a:r>
-              <a:rPr lang="es-ES" sz="2500" dirty="0" err="1">
-                <a:solidFill>
-                  <a:schemeClr val="bg1"/>
-                </a:solidFill>
-                <a:latin typeface="Arial Rounded MT Bold" panose="020F0704030504030204" pitchFamily="34" charset="0"/>
-              </a:rPr>
-              <a:t>Ionut</a:t>
-            </a:r>
-            <a:r>
-              <a:rPr lang="es-ES" sz="2500" dirty="0">
-                <a:solidFill>
-                  <a:schemeClr val="bg1"/>
-                </a:solidFill>
-                <a:latin typeface="Arial Rounded MT Bold" panose="020F0704030504030204" pitchFamily="34" charset="0"/>
-              </a:rPr>
-              <a:t> </a:t>
-            </a:r>
-            <a:r>
-              <a:rPr lang="es-ES" sz="2500" dirty="0" err="1">
-                <a:solidFill>
-                  <a:schemeClr val="bg1"/>
-                </a:solidFill>
-                <a:latin typeface="Arial Rounded MT Bold" panose="020F0704030504030204" pitchFamily="34" charset="0"/>
-              </a:rPr>
-              <a:t>Ciobanu</a:t>
-            </a:r>
-            <a:endParaRPr lang="es-ES" sz="2500" dirty="0">
-              <a:solidFill>
-                <a:schemeClr val="bg1"/>
-              </a:solidFill>
-              <a:latin typeface="Arial Rounded MT Bold" panose="020F0704030504030204" pitchFamily="34" charset="0"/>
-            </a:endParaRPr>
+              <a:t>Bogdan Ionut Ciobanu</a:t>
+            </a:r>
           </a:p>
         </p:txBody>
       </p:sp>
@@ -10927,6 +11823,18 @@
   <p:clrMapOvr>
     <a:masterClrMapping/>
   </p:clrMapOvr>
+  <mc:AlternateContent xmlns:mc="http://schemas.openxmlformats.org/markup-compatibility/2006">
+    <mc:Choice xmlns:p14="http://schemas.microsoft.com/office/powerpoint/2010/main" Requires="p14">
+      <p:transition spd="med" p14:dur="700">
+        <p:fade/>
+      </p:transition>
+    </mc:Choice>
+    <mc:Fallback>
+      <p:transition spd="med">
+        <p:fade/>
+      </p:transition>
+    </mc:Fallback>
+  </mc:AlternateContent>
   <p:timing>
     <p:tnLst>
       <p:par>
@@ -11197,6 +12105,18 @@
   <p:clrMapOvr>
     <a:masterClrMapping/>
   </p:clrMapOvr>
+  <mc:AlternateContent xmlns:mc="http://schemas.openxmlformats.org/markup-compatibility/2006">
+    <mc:Choice xmlns:p14="http://schemas.microsoft.com/office/powerpoint/2010/main" Requires="p14">
+      <p:transition spd="med" p14:dur="700">
+        <p:fade/>
+      </p:transition>
+    </mc:Choice>
+    <mc:Fallback>
+      <p:transition spd="med">
+        <p:fade/>
+      </p:transition>
+    </mc:Fallback>
+  </mc:AlternateContent>
   <p:timing>
     <p:tnLst>
       <p:par>
@@ -11434,88 +12354,16 @@
           <a:lstStyle/>
           <a:p>
             <a:r>
-              <a:rPr lang="es-ES" u="sng" dirty="0" smtClean="0">
+              <a:rPr lang="es-ES" u="sng" dirty="0">
                 <a:solidFill>
                   <a:schemeClr val="bg1"/>
                 </a:solidFill>
                 <a:latin typeface="Arial Rounded MT Bold" panose="020F0704030504030204" pitchFamily="34" charset="0"/>
               </a:rPr>
-              <a:t>2</a:t>
-            </a:r>
-            <a:r>
-              <a:rPr lang="es-ES" u="sng" dirty="0" smtClean="0">
-                <a:solidFill>
-                  <a:schemeClr val="bg1"/>
-                </a:solidFill>
-                <a:latin typeface="Arial Rounded MT Bold" panose="020F0704030504030204" pitchFamily="34" charset="0"/>
-              </a:rPr>
-              <a:t>.Descripcion del tipo de </a:t>
-            </a:r>
-            <a:r>
-              <a:rPr lang="es-ES" u="sng" dirty="0" err="1" smtClean="0">
-                <a:solidFill>
-                  <a:schemeClr val="bg1"/>
-                </a:solidFill>
-                <a:latin typeface="Arial Rounded MT Bold" panose="020F0704030504030204" pitchFamily="34" charset="0"/>
-              </a:rPr>
-              <a:t>tecnologia</a:t>
-            </a:r>
-            <a:r>
-              <a:rPr lang="es-ES" u="sng" dirty="0" smtClean="0">
-                <a:solidFill>
-                  <a:schemeClr val="bg1"/>
-                </a:solidFill>
-                <a:latin typeface="Arial Rounded MT Bold" panose="020F0704030504030204" pitchFamily="34" charset="0"/>
-              </a:rPr>
-              <a:t>: </a:t>
-            </a:r>
-            <a:r>
-              <a:rPr lang="es-ES" u="sng" dirty="0" smtClean="0">
-                <a:solidFill>
-                  <a:schemeClr val="bg1"/>
-                </a:solidFill>
-                <a:latin typeface="Arial Rounded MT Bold" panose="020F0704030504030204" pitchFamily="34" charset="0"/>
-              </a:rPr>
-              <a:t>Web </a:t>
-            </a:r>
-            <a:r>
-              <a:rPr lang="es-ES" u="sng" dirty="0" err="1" smtClean="0">
-                <a:solidFill>
-                  <a:schemeClr val="bg1"/>
-                </a:solidFill>
-                <a:latin typeface="Arial Rounded MT Bold" panose="020F0704030504030204" pitchFamily="34" charset="0"/>
-              </a:rPr>
-              <a:t>testing</a:t>
-            </a:r>
-            <a:r>
-              <a:rPr lang="es-ES" u="sng" dirty="0" smtClean="0">
-                <a:solidFill>
-                  <a:schemeClr val="bg1"/>
-                </a:solidFill>
-                <a:latin typeface="Arial Rounded MT Bold" panose="020F0704030504030204" pitchFamily="34" charset="0"/>
-              </a:rPr>
-              <a:t> </a:t>
-            </a:r>
-            <a:r>
-              <a:rPr lang="es-ES" u="sng" dirty="0" err="1" smtClean="0">
-                <a:solidFill>
-                  <a:schemeClr val="bg1"/>
-                </a:solidFill>
-                <a:latin typeface="Arial Rounded MT Bold" panose="020F0704030504030204" pitchFamily="34" charset="0"/>
-              </a:rPr>
-              <a:t>tools</a:t>
-            </a:r>
-            <a:r>
-              <a:rPr lang="es-ES" u="sng" dirty="0" smtClean="0">
-                <a:solidFill>
-                  <a:schemeClr val="bg1"/>
-                </a:solidFill>
-                <a:latin typeface="Arial Rounded MT Bold" panose="020F0704030504030204" pitchFamily="34" charset="0"/>
-              </a:rPr>
-              <a:t>: </a:t>
+              <a:t>2.Descripcion del tipo de tecnologia: Web testing tools: </a:t>
             </a:r>
             <a:br>
-              <a:rPr lang="es-ES" u="sng" dirty="0" smtClean="0">
+              <a:rPr lang="es-ES" u="sng" dirty="0">
                 <a:solidFill>
                   <a:schemeClr val="bg1"/>
                 </a:solidFill>
@@ -11523,7 +12371,7 @@
               </a:rPr>
             </a:br>
             <a:r>
-              <a:rPr lang="es-ES" u="sng" dirty="0" smtClean="0">
+              <a:rPr lang="es-ES" u="sng" dirty="0">
                 <a:solidFill>
                   <a:schemeClr val="bg1"/>
                 </a:solidFill>
@@ -11531,12 +12379,6 @@
               </a:rPr>
               <a:t>Load, stress and performance</a:t>
             </a:r>
-            <a:endParaRPr lang="es-ES" u="sng" dirty="0">
-              <a:solidFill>
-                <a:schemeClr val="bg1"/>
-              </a:solidFill>
-              <a:latin typeface="Arial Rounded MT Bold" panose="020F0704030504030204" pitchFamily="34" charset="0"/>
-            </a:endParaRPr>
           </a:p>
         </p:txBody>
       </p:sp>
@@ -11584,8 +12426,8 @@
         </p:nvSpPr>
         <p:spPr>
           <a:xfrm>
-            <a:off x="709129" y="2647578"/>
-            <a:ext cx="5971589" cy="2246769"/>
+            <a:off x="502276" y="3157920"/>
+            <a:ext cx="6350698" cy="2246769"/>
           </a:xfrm>
           <a:prstGeom prst="rect">
             <a:avLst/>
@@ -11598,39 +12440,19 @@
           </a:bodyPr>
           <a:lstStyle/>
           <a:p>
-            <a:r>
-              <a:rPr lang="es-ES" sz="2800" dirty="0" smtClean="0"/>
-              <a:t>Son herramientas de </a:t>
-            </a:r>
-            <a:r>
-              <a:rPr lang="es-ES" sz="2800" dirty="0" err="1"/>
-              <a:t>testing</a:t>
-            </a:r>
-            <a:r>
-              <a:rPr lang="es-ES" sz="2800" dirty="0"/>
-              <a:t> para la </a:t>
-            </a:r>
-            <a:r>
-              <a:rPr lang="es-ES" sz="2800" dirty="0" smtClean="0"/>
-              <a:t>Web o </a:t>
-            </a:r>
-            <a:r>
-              <a:rPr lang="es-ES" sz="2800" dirty="0" err="1" smtClean="0"/>
-              <a:t>APIs</a:t>
-            </a:r>
-            <a:r>
-              <a:rPr lang="es-ES" sz="2800" dirty="0" smtClean="0"/>
-              <a:t>, </a:t>
-            </a:r>
-            <a:r>
-              <a:rPr lang="es-ES" sz="2800" dirty="0"/>
-              <a:t>para saber la carga que es capaz de soportar una página, su estrés y su </a:t>
-            </a:r>
-            <a:r>
-              <a:rPr lang="es-ES" sz="2800" dirty="0" smtClean="0"/>
-              <a:t>rendimiento.</a:t>
-            </a:r>
-            <a:endParaRPr lang="es-ES" sz="2800" dirty="0"/>
+            <a:pPr marL="457200" indent="-457200">
+              <a:buFont typeface="Arial" panose="020B0604020202020204" pitchFamily="34" charset="0"/>
+              <a:buChar char="•"/>
+            </a:pPr>
+            <a:r>
+              <a:rPr lang="es-ES" sz="2800" dirty="0">
+                <a:solidFill>
+                  <a:schemeClr val="bg1"/>
+                </a:solidFill>
+                <a:latin typeface="Arial Rounded MT Bold" panose="020F0704030504030204" pitchFamily="34" charset="0"/>
+              </a:rPr>
+              <a:t>Son herramientas de testing para la Web o APIs, para saber la carga que es capaz de soportar una página, su estrés y su rendimiento.</a:t>
+            </a:r>
           </a:p>
         </p:txBody>
       </p:sp>
@@ -11657,16 +12479,25 @@
         </p:blipFill>
         <p:spPr bwMode="auto">
           <a:xfrm>
-            <a:off x="6894547" y="3219621"/>
+            <a:off x="6943974" y="2606812"/>
             <a:ext cx="4880688" cy="3348983"/>
           </a:xfrm>
-          <a:prstGeom prst="rect">
-            <a:avLst/>
+          <a:prstGeom prst="roundRect">
+            <a:avLst>
+              <a:gd name="adj" fmla="val 8594"/>
+            </a:avLst>
           </a:prstGeom>
-          <a:noFill/>
+          <a:solidFill>
+            <a:srgbClr val="FFFFFF">
+              <a:shade val="85000"/>
+            </a:srgbClr>
+          </a:solidFill>
           <a:ln>
             <a:noFill/>
           </a:ln>
+          <a:effectLst>
+            <a:reflection blurRad="12700" stA="38000" endPos="28000" dist="5000" dir="5400000" sy="-100000" algn="bl" rotWithShape="0"/>
+          </a:effectLst>
           <a:extLst>
             <a:ext uri="{909E8E84-426E-40DD-AFC4-6F175D3DCCD1}">
               <a14:hiddenFill xmlns:a14="http://schemas.microsoft.com/office/drawing/2010/main">
@@ -11691,13 +12522,25 @@
     </p:spTree>
     <p:extLst>
       <p:ext uri="{BB962C8B-B14F-4D97-AF65-F5344CB8AC3E}">
-        <p14:creationId xmlns:p14="http://schemas.microsoft.com/office/powerpoint/2010/main" val="410969699"/>
+        <p14:creationId xmlns:p14="http://schemas.microsoft.com/office/powerpoint/2010/main" val="3484739393"/>
       </p:ext>
     </p:extLst>
   </p:cSld>
   <p:clrMapOvr>
     <a:masterClrMapping/>
   </p:clrMapOvr>
+  <mc:AlternateContent xmlns:mc="http://schemas.openxmlformats.org/markup-compatibility/2006">
+    <mc:Choice xmlns:p14="http://schemas.microsoft.com/office/powerpoint/2010/main" Requires="p14">
+      <p:transition spd="med" p14:dur="700">
+        <p:fade/>
+      </p:transition>
+    </mc:Choice>
+    <mc:Fallback>
+      <p:transition spd="med">
+        <p:fade/>
+      </p:transition>
+    </mc:Fallback>
+  </mc:AlternateContent>
   <p:timing>
     <p:tnLst>
       <p:par>
@@ -11827,56 +12670,14 @@
           <a:lstStyle/>
           <a:p>
             <a:r>
-              <a:rPr lang="es-ES" u="sng" dirty="0" smtClean="0">
+              <a:rPr lang="es-ES" u="sng" dirty="0">
                 <a:solidFill>
                   <a:schemeClr val="bg1"/>
                 </a:solidFill>
                 <a:latin typeface="Arial Rounded MT Bold" panose="020F0704030504030204" pitchFamily="34" charset="0"/>
               </a:rPr>
-              <a:t>2</a:t>
-            </a:r>
-            <a:r>
-              <a:rPr lang="es-ES" u="sng" dirty="0" smtClean="0">
-                <a:solidFill>
-                  <a:schemeClr val="bg1"/>
-                </a:solidFill>
-                <a:latin typeface="Arial Rounded MT Bold" panose="020F0704030504030204" pitchFamily="34" charset="0"/>
-              </a:rPr>
-              <a:t>.Descripcion del tipo de </a:t>
-            </a:r>
-            <a:r>
-              <a:rPr lang="es-ES" u="sng" dirty="0" err="1" smtClean="0">
-                <a:solidFill>
-                  <a:schemeClr val="bg1"/>
-                </a:solidFill>
-                <a:latin typeface="Arial Rounded MT Bold" panose="020F0704030504030204" pitchFamily="34" charset="0"/>
-              </a:rPr>
-              <a:t>tecnologia</a:t>
-            </a:r>
-            <a:r>
-              <a:rPr lang="es-ES" u="sng" dirty="0" smtClean="0">
-                <a:solidFill>
-                  <a:schemeClr val="bg1"/>
-                </a:solidFill>
-                <a:latin typeface="Arial Rounded MT Bold" panose="020F0704030504030204" pitchFamily="34" charset="0"/>
-              </a:rPr>
-              <a:t>: </a:t>
-            </a:r>
-            <a:r>
-              <a:rPr lang="es-ES" u="sng" dirty="0" err="1" smtClean="0">
-                <a:solidFill>
-                  <a:schemeClr val="bg1"/>
-                </a:solidFill>
-                <a:latin typeface="Arial Rounded MT Bold" panose="020F0704030504030204" pitchFamily="34" charset="0"/>
-              </a:rPr>
-              <a:t>Loadrunner</a:t>
-            </a:r>
-            <a:endParaRPr lang="es-ES" u="sng" dirty="0">
-              <a:solidFill>
-                <a:schemeClr val="bg1"/>
-              </a:solidFill>
-              <a:latin typeface="Arial Rounded MT Bold" panose="020F0704030504030204" pitchFamily="34" charset="0"/>
-            </a:endParaRPr>
+              <a:t>2.Descripcion del tipo de tecnologia: Loadrunner</a:t>
+            </a:r>
           </a:p>
         </p:txBody>
       </p:sp>
@@ -11924,8 +12725,8 @@
         </p:nvSpPr>
         <p:spPr>
           <a:xfrm>
-            <a:off x="709129" y="2333685"/>
-            <a:ext cx="5747655" cy="4524315"/>
+            <a:off x="330188" y="2333684"/>
+            <a:ext cx="6294547" cy="4216539"/>
           </a:xfrm>
           <a:prstGeom prst="rect">
             <a:avLst/>
@@ -11943,16 +12744,13 @@
               <a:buChar char="•"/>
             </a:pPr>
             <a:r>
-              <a:rPr lang="es-ES" sz="2000" dirty="0" smtClean="0"/>
-              <a:t>Simula </a:t>
-            </a:r>
-            <a:r>
-              <a:rPr lang="es-ES" sz="2000" dirty="0"/>
-              <a:t>miles de usuarios al mismo tiempo usando el software de la aplicación, realiza grabaciones y posteriormente analiza el rendimiento de los componentes fundamentales de la </a:t>
-            </a:r>
-            <a:r>
-              <a:rPr lang="es-ES" sz="2000" dirty="0" smtClean="0"/>
-              <a:t>aplicación.</a:t>
+              <a:rPr lang="es-ES" sz="2000" dirty="0">
+                <a:solidFill>
+                  <a:schemeClr val="bg1"/>
+                </a:solidFill>
+                <a:latin typeface="Arial Rounded MT Bold" panose="020F0704030504030204" pitchFamily="34" charset="0"/>
+              </a:rPr>
+              <a:t>Simula miles de usuarios al mismo tiempo usando el software de la aplicación, realiza grabaciones y posteriormente analiza el rendimiento de los componentes fundamentales de la aplicación.</a:t>
             </a:r>
           </a:p>
           <a:p>
@@ -11961,10 +12759,14 @@
               <a:buChar char="•"/>
             </a:pPr>
             <a:r>
-              <a:rPr lang="es-ES" sz="2000" dirty="0"/>
+              <a:rPr lang="es-ES" sz="2000" dirty="0">
+                <a:solidFill>
+                  <a:schemeClr val="bg1"/>
+                </a:solidFill>
+                <a:latin typeface="Arial Rounded MT Bold" panose="020F0704030504030204" pitchFamily="34" charset="0"/>
+              </a:rPr>
               <a:t>Simula las actividades de los usuarios mediante la generación de mensajes entre los componentes de la aplicación o mediante la simulación de las interacciones con la interfaz de usuario como por ejemplo pulsaciones de teclas o movimientos del ratón.</a:t>
             </a:r>
-            <a:endParaRPr lang="es-ES" sz="2000" dirty="0" smtClean="0"/>
           </a:p>
           <a:p>
             <a:endParaRPr lang="es-ES" sz="2800" dirty="0"/>
@@ -11994,16 +12796,25 @@
         </p:blipFill>
         <p:spPr bwMode="auto">
           <a:xfrm>
-            <a:off x="6624735" y="2767042"/>
+            <a:off x="6624735" y="2486956"/>
             <a:ext cx="5455298" cy="3657600"/>
           </a:xfrm>
-          <a:prstGeom prst="rect">
-            <a:avLst/>
+          <a:prstGeom prst="roundRect">
+            <a:avLst>
+              <a:gd name="adj" fmla="val 8594"/>
+            </a:avLst>
           </a:prstGeom>
-          <a:noFill/>
+          <a:solidFill>
+            <a:srgbClr val="FFFFFF">
+              <a:shade val="85000"/>
+            </a:srgbClr>
+          </a:solidFill>
           <a:ln>
             <a:noFill/>
           </a:ln>
+          <a:effectLst>
+            <a:reflection blurRad="12700" stA="38000" endPos="28000" dist="5000" dir="5400000" sy="-100000" algn="bl" rotWithShape="0"/>
+          </a:effectLst>
           <a:extLst>
             <a:ext uri="{909E8E84-426E-40DD-AFC4-6F175D3DCCD1}">
               <a14:hiddenFill xmlns:a14="http://schemas.microsoft.com/office/drawing/2010/main">
@@ -12035,6 +12846,18 @@
   <p:clrMapOvr>
     <a:masterClrMapping/>
   </p:clrMapOvr>
+  <mc:AlternateContent xmlns:mc="http://schemas.openxmlformats.org/markup-compatibility/2006">
+    <mc:Choice xmlns:p14="http://schemas.microsoft.com/office/powerpoint/2010/main" Requires="p14">
+      <p:transition spd="med" p14:dur="700">
+        <p:fade/>
+      </p:transition>
+    </mc:Choice>
+    <mc:Fallback>
+      <p:transition spd="med">
+        <p:fade/>
+      </p:transition>
+    </mc:Fallback>
+  </mc:AlternateContent>
   <p:timing>
     <p:tnLst>
       <p:par>
@@ -12164,56 +12987,14 @@
           <a:lstStyle/>
           <a:p>
             <a:r>
-              <a:rPr lang="es-ES" u="sng" dirty="0" smtClean="0">
+              <a:rPr lang="es-ES" u="sng" dirty="0">
                 <a:solidFill>
                   <a:schemeClr val="bg1"/>
                 </a:solidFill>
                 <a:latin typeface="Arial Rounded MT Bold" panose="020F0704030504030204" pitchFamily="34" charset="0"/>
               </a:rPr>
-              <a:t>2</a:t>
-            </a:r>
-            <a:r>
-              <a:rPr lang="es-ES" u="sng" dirty="0" smtClean="0">
-                <a:solidFill>
-                  <a:schemeClr val="bg1"/>
-                </a:solidFill>
-                <a:latin typeface="Arial Rounded MT Bold" panose="020F0704030504030204" pitchFamily="34" charset="0"/>
-              </a:rPr>
-              <a:t>.Descripcion del tipo de </a:t>
-            </a:r>
-            <a:r>
-              <a:rPr lang="es-ES" u="sng" dirty="0" err="1" smtClean="0">
-                <a:solidFill>
-                  <a:schemeClr val="bg1"/>
-                </a:solidFill>
-                <a:latin typeface="Arial Rounded MT Bold" panose="020F0704030504030204" pitchFamily="34" charset="0"/>
-              </a:rPr>
-              <a:t>tecnologia</a:t>
-            </a:r>
-            <a:r>
-              <a:rPr lang="es-ES" u="sng" dirty="0" smtClean="0">
-                <a:solidFill>
-                  <a:schemeClr val="bg1"/>
-                </a:solidFill>
-                <a:latin typeface="Arial Rounded MT Bold" panose="020F0704030504030204" pitchFamily="34" charset="0"/>
-              </a:rPr>
-              <a:t>: </a:t>
-            </a:r>
-            <a:r>
-              <a:rPr lang="es-ES" u="sng" dirty="0" err="1" smtClean="0">
-                <a:solidFill>
-                  <a:schemeClr val="bg1"/>
-                </a:solidFill>
-                <a:latin typeface="Arial Rounded MT Bold" panose="020F0704030504030204" pitchFamily="34" charset="0"/>
-              </a:rPr>
-              <a:t>webload</a:t>
-            </a:r>
-            <a:endParaRPr lang="es-ES" u="sng" dirty="0">
-              <a:solidFill>
-                <a:schemeClr val="bg1"/>
-              </a:solidFill>
-              <a:latin typeface="Arial Rounded MT Bold" panose="020F0704030504030204" pitchFamily="34" charset="0"/>
-            </a:endParaRPr>
+              <a:t>2.Descripcion del tipo de tecnologia: webload</a:t>
+            </a:r>
           </a:p>
         </p:txBody>
       </p:sp>
@@ -12261,8 +13042,8 @@
         </p:nvSpPr>
         <p:spPr>
           <a:xfrm>
-            <a:off x="709129" y="2333685"/>
-            <a:ext cx="5747655" cy="2677656"/>
+            <a:off x="330188" y="2885275"/>
+            <a:ext cx="5970607" cy="2677656"/>
           </a:xfrm>
           <a:prstGeom prst="rect">
             <a:avLst/>
@@ -12280,16 +13061,21 @@
               <a:buChar char="•"/>
             </a:pPr>
             <a:r>
-              <a:rPr lang="es-ES" sz="2800" dirty="0"/>
-              <a:t>P</a:t>
-            </a:r>
-            <a:r>
-              <a:rPr lang="es-ES" sz="2800" dirty="0" smtClean="0"/>
-              <a:t>ermite </a:t>
-            </a:r>
-            <a:r>
-              <a:rPr lang="es-ES" sz="2800" dirty="0"/>
-              <a:t>realizar pruebas de rendimiento, a través de un entorno gráfico en el cual se pueden desarrollar, grabar y editar script de pruebas.</a:t>
+              <a:rPr lang="es-ES" sz="2800" dirty="0">
+                <a:solidFill>
+                  <a:schemeClr val="bg1"/>
+                </a:solidFill>
+                <a:latin typeface="Arial Rounded MT Bold" panose="020F0704030504030204" pitchFamily="34" charset="0"/>
+              </a:rPr>
+              <a:t>Permite realizar pruebas de rendimiento, a través de un entorno gráfico en el cual se pueden desarrollar, grabar y editar script de pruebas</a:t>
+            </a:r>
+            <a:r>
+              <a:rPr lang="es-ES" sz="2800" dirty="0">
+                <a:solidFill>
+                  <a:schemeClr val="bg1"/>
+                </a:solidFill>
+              </a:rPr>
+              <a:t>.</a:t>
             </a:r>
           </a:p>
           <a:p>
@@ -12320,16 +13106,25 @@
         </p:blipFill>
         <p:spPr bwMode="auto">
           <a:xfrm>
-            <a:off x="6259606" y="3339053"/>
+            <a:off x="6300795" y="2333685"/>
             <a:ext cx="5769595" cy="3344575"/>
           </a:xfrm>
-          <a:prstGeom prst="rect">
-            <a:avLst/>
+          <a:prstGeom prst="roundRect">
+            <a:avLst>
+              <a:gd name="adj" fmla="val 8594"/>
+            </a:avLst>
           </a:prstGeom>
-          <a:noFill/>
+          <a:solidFill>
+            <a:srgbClr val="FFFFFF">
+              <a:shade val="85000"/>
+            </a:srgbClr>
+          </a:solidFill>
           <a:ln>
             <a:noFill/>
           </a:ln>
+          <a:effectLst>
+            <a:reflection blurRad="12700" stA="38000" endPos="28000" dist="5000" dir="5400000" sy="-100000" algn="bl" rotWithShape="0"/>
+          </a:effectLst>
           <a:extLst>
             <a:ext uri="{909E8E84-426E-40DD-AFC4-6F175D3DCCD1}">
               <a14:hiddenFill xmlns:a14="http://schemas.microsoft.com/office/drawing/2010/main">
@@ -12361,6 +13156,18 @@
   <p:clrMapOvr>
     <a:masterClrMapping/>
   </p:clrMapOvr>
+  <mc:AlternateContent xmlns:mc="http://schemas.openxmlformats.org/markup-compatibility/2006">
+    <mc:Choice xmlns:p14="http://schemas.microsoft.com/office/powerpoint/2010/main" Requires="p14">
+      <p:transition spd="med" p14:dur="700">
+        <p:fade/>
+      </p:transition>
+    </mc:Choice>
+    <mc:Fallback>
+      <p:transition spd="med">
+        <p:fade/>
+      </p:transition>
+    </mc:Fallback>
+  </mc:AlternateContent>
   <p:timing>
     <p:tnLst>
       <p:par>
@@ -12490,47 +13297,14 @@
           <a:lstStyle/>
           <a:p>
             <a:r>
-              <a:rPr lang="es-ES" u="sng" dirty="0" smtClean="0">
+              <a:rPr lang="es-ES" u="sng" dirty="0">
                 <a:solidFill>
                   <a:schemeClr val="bg1"/>
                 </a:solidFill>
                 <a:latin typeface="Arial Rounded MT Bold" panose="020F0704030504030204" pitchFamily="34" charset="0"/>
               </a:rPr>
-              <a:t>3.Fuentes de </a:t>
-            </a:r>
-            <a:r>
-              <a:rPr lang="es-ES" u="sng" dirty="0" err="1" smtClean="0">
-                <a:solidFill>
-                  <a:schemeClr val="bg1"/>
-                </a:solidFill>
-                <a:latin typeface="Arial Rounded MT Bold" panose="020F0704030504030204" pitchFamily="34" charset="0"/>
-              </a:rPr>
-              <a:t>informacion</a:t>
-            </a:r>
-            <a:r>
-              <a:rPr lang="es-ES" u="sng" dirty="0" smtClean="0">
-                <a:solidFill>
-                  <a:schemeClr val="bg1"/>
-                </a:solidFill>
-                <a:latin typeface="Arial Rounded MT Bold" panose="020F0704030504030204" pitchFamily="34" charset="0"/>
-              </a:rPr>
-              <a:t> sobre las </a:t>
-            </a:r>
-            <a:r>
-              <a:rPr lang="es-ES" u="sng" dirty="0" err="1" smtClean="0">
-                <a:solidFill>
-                  <a:schemeClr val="bg1"/>
-                </a:solidFill>
-                <a:latin typeface="Arial Rounded MT Bold" panose="020F0704030504030204" pitchFamily="34" charset="0"/>
-              </a:rPr>
-              <a:t>tecnologias</a:t>
-            </a:r>
-            <a:endParaRPr lang="es-ES" u="sng" dirty="0">
-              <a:solidFill>
-                <a:schemeClr val="bg1"/>
-              </a:solidFill>
-              <a:latin typeface="Arial Rounded MT Bold" panose="020F0704030504030204" pitchFamily="34" charset="0"/>
-            </a:endParaRPr>
+              <a:t>3.Fuentes de información sobre las tecnologías</a:t>
+            </a:r>
           </a:p>
         </p:txBody>
       </p:sp>
@@ -12578,8 +13352,8 @@
         </p:nvSpPr>
         <p:spPr>
           <a:xfrm>
-            <a:off x="709129" y="2647578"/>
-            <a:ext cx="5971589" cy="3539430"/>
+            <a:off x="1145733" y="3615549"/>
+            <a:ext cx="10420189" cy="1538883"/>
           </a:xfrm>
           <a:prstGeom prst="rect">
             <a:avLst/>
@@ -12597,10 +13371,14 @@
               <a:buChar char="•"/>
             </a:pPr>
             <a:r>
-              <a:rPr lang="es-ES" sz="2800" dirty="0" smtClean="0"/>
+              <a:rPr lang="es-ES" sz="2200" dirty="0">
+                <a:solidFill>
+                  <a:schemeClr val="bg1"/>
+                </a:solidFill>
+                <a:latin typeface="Arial Rounded MT Bold" panose="020F0704030504030204" pitchFamily="34" charset="0"/>
+              </a:rPr>
               <a:t>Se han consultado varias páginas para poder obtener mas información sobre este tipo de herramientas. </a:t>
             </a:r>
-            <a:endParaRPr lang="es-ES" sz="2800" dirty="0"/>
           </a:p>
           <a:p>
             <a:pPr marL="457200" indent="-457200">
@@ -12608,26 +13386,19 @@
               <a:buChar char="•"/>
             </a:pPr>
             <a:r>
-              <a:rPr lang="es-ES" sz="2800" dirty="0" smtClean="0"/>
-              <a:t>Ejemplo: </a:t>
-            </a:r>
-            <a:r>
-              <a:rPr lang="es-ES" sz="2800" u="sng" dirty="0">
+              <a:rPr lang="es-ES" sz="2200" dirty="0">
+                <a:solidFill>
+                  <a:schemeClr val="bg1"/>
+                </a:solidFill>
+                <a:latin typeface="Arial Rounded MT Bold" panose="020F0704030504030204" pitchFamily="34" charset="0"/>
                 <a:hlinkClick r:id="rId4"/>
               </a:rPr>
-              <a:t>http://www.softwareqatest.com/qatweb1.html</a:t>
-            </a:r>
-            <a:r>
-              <a:rPr lang="es-ES" sz="2800" dirty="0"/>
-              <a:t> </a:t>
-            </a:r>
-            <a:r>
-              <a:rPr lang="es-ES" sz="2800" dirty="0" smtClean="0"/>
-              <a:t> </a:t>
-            </a:r>
-          </a:p>
-          <a:p>
-            <a:endParaRPr lang="es-ES" sz="2800" dirty="0" smtClean="0"/>
+              <a:t>Ejemplo</a:t>
+            </a:r>
+            <a:endParaRPr lang="es-ES" sz="2200" dirty="0"/>
+          </a:p>
+          <a:p>
+            <a:endParaRPr lang="es-ES" sz="2800" dirty="0"/>
           </a:p>
         </p:txBody>
       </p:sp>
@@ -12639,8 +13410,8 @@
         </p:nvSpPr>
         <p:spPr>
           <a:xfrm>
-            <a:off x="834720" y="2246005"/>
-            <a:ext cx="7188186" cy="461665"/>
+            <a:off x="875909" y="2606627"/>
+            <a:ext cx="8938665" cy="553998"/>
           </a:xfrm>
           <a:prstGeom prst="rect">
             <a:avLst/>
@@ -12653,10 +13424,18 @@
           <a:lstStyle/>
           <a:p>
             <a:r>
-              <a:rPr lang="es-ES" sz="2400" b="1" dirty="0">
+              <a:rPr lang="es-ES" sz="3000" b="1" dirty="0">
                 <a:solidFill>
                   <a:schemeClr val="bg1"/>
                 </a:solidFill>
+                <a:effectLst>
+                  <a:outerShdw blurRad="38100" dist="38100" dir="2700000" algn="tl">
+                    <a:srgbClr val="000000">
+                      <a:alpha val="43137"/>
+                    </a:srgbClr>
+                  </a:outerShdw>
+                </a:effectLst>
+                <a:latin typeface="Arial Rounded MT Bold" panose="020F0704030504030204" pitchFamily="34" charset="0"/>
               </a:rPr>
               <a:t>3.1 Fuentes de información sobre la tecnología</a:t>
             </a:r>
@@ -12673,6 +13452,18 @@
   <p:clrMapOvr>
     <a:masterClrMapping/>
   </p:clrMapOvr>
+  <mc:AlternateContent xmlns:mc="http://schemas.openxmlformats.org/markup-compatibility/2006">
+    <mc:Choice xmlns:p14="http://schemas.microsoft.com/office/powerpoint/2010/main" Requires="p14">
+      <p:transition spd="med" p14:dur="700">
+        <p:fade/>
+      </p:transition>
+    </mc:Choice>
+    <mc:Fallback>
+      <p:transition spd="med">
+        <p:fade/>
+      </p:transition>
+    </mc:Fallback>
+  </mc:AlternateContent>
   <p:timing>
     <p:tnLst>
       <p:par>
@@ -12805,7 +13596,7 @@
     </a:clrScheme>
     <a:fontScheme name="Slice">
       <a:majorFont>
-        <a:latin typeface="Century Gothic" panose="020B0502020202020204"/>
+        <a:latin typeface="Century Gothic"/>
         <a:ea typeface=""/>
         <a:cs typeface=""/>
         <a:font script="Jpan" typeface="メイリオ"/>
@@ -12840,7 +13631,7 @@
         <a:font script="Geor" typeface="Sylfaen"/>
       </a:majorFont>
       <a:minorFont>
-        <a:latin typeface="Century Gothic" panose="020B0502020202020204"/>
+        <a:latin typeface="Century Gothic"/>
         <a:ea typeface=""/>
         <a:cs typeface=""/>
         <a:font script="Jpan" typeface="メイリオ"/>
@@ -13030,7 +13821,7 @@
   <a:extraClrSchemeLst/>
   <a:extLst>
     <a:ext uri="{05A4C25C-085E-4340-85A3-A5531E510DB2}">
-      <thm15:themeFamily xmlns:thm15="http://schemas.microsoft.com/office/thememl/2012/main" xmlns="" name="Slice" id="{0507925B-6AC9-4358-8E18-C330545D08F8}" vid="{13FEC7C6-62A9-40C4-99D2-581AACACAA2F}"/>
+      <thm15:themeFamily xmlns:thm15="http://schemas.microsoft.com/office/thememl/2012/main" name="Slice" id="{0507925B-6AC9-4358-8E18-C330545D08F8}" vid="{13FEC7C6-62A9-40C4-99D2-581AACACAA2F}"/>
     </a:ext>
   </a:extLst>
 </a:theme>
